--- a/html basic.pptx
+++ b/html basic.pptx
@@ -18,14 +18,6 @@
     <p:sldId id="267" r:id="rId12"/>
     <p:sldId id="268" r:id="rId13"/>
     <p:sldId id="269" r:id="rId14"/>
-    <p:sldId id="270" r:id="rId15"/>
-    <p:sldId id="271" r:id="rId16"/>
-    <p:sldId id="272" r:id="rId17"/>
-    <p:sldId id="273" r:id="rId18"/>
-    <p:sldId id="274" r:id="rId19"/>
-    <p:sldId id="275" r:id="rId20"/>
-    <p:sldId id="276" r:id="rId21"/>
-    <p:sldId id="277" r:id="rId22"/>
   </p:sldIdLst>
   <p:sldSz cx="12192000" cy="6858000"/>
   <p:notesSz cx="6858000" cy="9144000"/>
@@ -279,7 +271,7 @@
           <a:p>
             <a:fld id="{271461E2-C127-406B-9226-6F4F499B192E}" type="datetimeFigureOut">
               <a:rPr lang="en-US" smtClean="0"/>
-              <a:t>5/8/2024</a:t>
+              <a:t>5/10/2024</a:t>
             </a:fld>
             <a:endParaRPr lang="en-US"/>
           </a:p>
@@ -477,7 +469,7 @@
           <a:p>
             <a:fld id="{271461E2-C127-406B-9226-6F4F499B192E}" type="datetimeFigureOut">
               <a:rPr lang="en-US" smtClean="0"/>
-              <a:t>5/8/2024</a:t>
+              <a:t>5/10/2024</a:t>
             </a:fld>
             <a:endParaRPr lang="en-US"/>
           </a:p>
@@ -685,7 +677,7 @@
           <a:p>
             <a:fld id="{271461E2-C127-406B-9226-6F4F499B192E}" type="datetimeFigureOut">
               <a:rPr lang="en-US" smtClean="0"/>
-              <a:t>5/8/2024</a:t>
+              <a:t>5/10/2024</a:t>
             </a:fld>
             <a:endParaRPr lang="en-US"/>
           </a:p>
@@ -883,7 +875,7 @@
           <a:p>
             <a:fld id="{271461E2-C127-406B-9226-6F4F499B192E}" type="datetimeFigureOut">
               <a:rPr lang="en-US" smtClean="0"/>
-              <a:t>5/8/2024</a:t>
+              <a:t>5/10/2024</a:t>
             </a:fld>
             <a:endParaRPr lang="en-US"/>
           </a:p>
@@ -1158,7 +1150,7 @@
           <a:p>
             <a:fld id="{271461E2-C127-406B-9226-6F4F499B192E}" type="datetimeFigureOut">
               <a:rPr lang="en-US" smtClean="0"/>
-              <a:t>5/8/2024</a:t>
+              <a:t>5/10/2024</a:t>
             </a:fld>
             <a:endParaRPr lang="en-US"/>
           </a:p>
@@ -1423,7 +1415,7 @@
           <a:p>
             <a:fld id="{271461E2-C127-406B-9226-6F4F499B192E}" type="datetimeFigureOut">
               <a:rPr lang="en-US" smtClean="0"/>
-              <a:t>5/8/2024</a:t>
+              <a:t>5/10/2024</a:t>
             </a:fld>
             <a:endParaRPr lang="en-US"/>
           </a:p>
@@ -1835,7 +1827,7 @@
           <a:p>
             <a:fld id="{271461E2-C127-406B-9226-6F4F499B192E}" type="datetimeFigureOut">
               <a:rPr lang="en-US" smtClean="0"/>
-              <a:t>5/8/2024</a:t>
+              <a:t>5/10/2024</a:t>
             </a:fld>
             <a:endParaRPr lang="en-US"/>
           </a:p>
@@ -1976,7 +1968,7 @@
           <a:p>
             <a:fld id="{271461E2-C127-406B-9226-6F4F499B192E}" type="datetimeFigureOut">
               <a:rPr lang="en-US" smtClean="0"/>
-              <a:t>5/8/2024</a:t>
+              <a:t>5/10/2024</a:t>
             </a:fld>
             <a:endParaRPr lang="en-US"/>
           </a:p>
@@ -2089,7 +2081,7 @@
           <a:p>
             <a:fld id="{271461E2-C127-406B-9226-6F4F499B192E}" type="datetimeFigureOut">
               <a:rPr lang="en-US" smtClean="0"/>
-              <a:t>5/8/2024</a:t>
+              <a:t>5/10/2024</a:t>
             </a:fld>
             <a:endParaRPr lang="en-US"/>
           </a:p>
@@ -2400,7 +2392,7 @@
           <a:p>
             <a:fld id="{271461E2-C127-406B-9226-6F4F499B192E}" type="datetimeFigureOut">
               <a:rPr lang="en-US" smtClean="0"/>
-              <a:t>5/8/2024</a:t>
+              <a:t>5/10/2024</a:t>
             </a:fld>
             <a:endParaRPr lang="en-US"/>
           </a:p>
@@ -2688,7 +2680,7 @@
           <a:p>
             <a:fld id="{271461E2-C127-406B-9226-6F4F499B192E}" type="datetimeFigureOut">
               <a:rPr lang="en-US" smtClean="0"/>
-              <a:t>5/8/2024</a:t>
+              <a:t>5/10/2024</a:t>
             </a:fld>
             <a:endParaRPr lang="en-US"/>
           </a:p>
@@ -2929,7 +2921,7 @@
           <a:p>
             <a:fld id="{271461E2-C127-406B-9226-6F4F499B192E}" type="datetimeFigureOut">
               <a:rPr lang="en-US" smtClean="0"/>
-              <a:t>5/8/2024</a:t>
+              <a:t>5/10/2024</a:t>
             </a:fld>
             <a:endParaRPr lang="en-US"/>
           </a:p>
@@ -5954,992 +5946,6 @@
 </p:sld>
 </file>
 
-<file path=ppt/slides/slide14.xml><?xml version="1.0" encoding="utf-8"?>
-<p:sld xmlns:a="http://schemas.openxmlformats.org/drawingml/2006/main" xmlns:r="http://schemas.openxmlformats.org/officeDocument/2006/relationships" xmlns:p="http://schemas.openxmlformats.org/presentationml/2006/main">
-  <p:cSld>
-    <p:spTree>
-      <p:nvGrpSpPr>
-        <p:cNvPr id="1" name=""/>
-        <p:cNvGrpSpPr/>
-        <p:nvPr/>
-      </p:nvGrpSpPr>
-      <p:grpSpPr>
-        <a:xfrm>
-          <a:off x="0" y="0"/>
-          <a:ext cx="0" cy="0"/>
-          <a:chOff x="0" y="0"/>
-          <a:chExt cx="0" cy="0"/>
-        </a:xfrm>
-      </p:grpSpPr>
-      <p:sp>
-        <p:nvSpPr>
-          <p:cNvPr id="2" name="Title 1">
-            <a:extLst>
-              <a:ext uri="{FF2B5EF4-FFF2-40B4-BE49-F238E27FC236}">
-                <a16:creationId xmlns:a16="http://schemas.microsoft.com/office/drawing/2014/main" id="{8E78083E-7E73-0B29-E9B7-49881E08B7D5}"/>
-              </a:ext>
-            </a:extLst>
-          </p:cNvPr>
-          <p:cNvSpPr>
-            <a:spLocks noGrp="1"/>
-          </p:cNvSpPr>
-          <p:nvPr>
-            <p:ph type="title"/>
-          </p:nvPr>
-        </p:nvSpPr>
-        <p:spPr/>
-        <p:txBody>
-          <a:bodyPr/>
-          <a:lstStyle/>
-          <a:p>
-            <a:r>
-              <a:rPr lang="en-US" dirty="0"/>
-              <a:t>CSS rule</a:t>
-            </a:r>
-          </a:p>
-        </p:txBody>
-      </p:sp>
-      <p:pic>
-        <p:nvPicPr>
-          <p:cNvPr id="5" name="Picture 4" descr="A computer screen shot of a computer code&#10;&#10;Description automatically generated">
-            <a:extLst>
-              <a:ext uri="{FF2B5EF4-FFF2-40B4-BE49-F238E27FC236}">
-                <a16:creationId xmlns:a16="http://schemas.microsoft.com/office/drawing/2014/main" id="{644E7970-A9BE-C7E1-B605-483F772482EB}"/>
-              </a:ext>
-            </a:extLst>
-          </p:cNvPr>
-          <p:cNvPicPr>
-            <a:picLocks noChangeAspect="1"/>
-          </p:cNvPicPr>
-          <p:nvPr/>
-        </p:nvPicPr>
-        <p:blipFill>
-          <a:blip r:embed="rId2">
-            <a:extLst>
-              <a:ext uri="{28A0092B-C50C-407E-A947-70E740481C1C}">
-                <a14:useLocalDpi xmlns:a14="http://schemas.microsoft.com/office/drawing/2010/main" val="0"/>
-              </a:ext>
-            </a:extLst>
-          </a:blip>
-          <a:stretch>
-            <a:fillRect/>
-          </a:stretch>
-        </p:blipFill>
-        <p:spPr>
-          <a:xfrm>
-            <a:off x="1438296" y="1806116"/>
-            <a:ext cx="8659433" cy="3639058"/>
-          </a:xfrm>
-          <a:prstGeom prst="rect">
-            <a:avLst/>
-          </a:prstGeom>
-        </p:spPr>
-      </p:pic>
-      <p:sp>
-        <p:nvSpPr>
-          <p:cNvPr id="7" name="TextBox 6">
-            <a:extLst>
-              <a:ext uri="{FF2B5EF4-FFF2-40B4-BE49-F238E27FC236}">
-                <a16:creationId xmlns:a16="http://schemas.microsoft.com/office/drawing/2014/main" id="{3DD66B6E-ADF2-1E3F-BE89-504E6CAE443E}"/>
-              </a:ext>
-            </a:extLst>
-          </p:cNvPr>
-          <p:cNvSpPr txBox="1"/>
-          <p:nvPr/>
-        </p:nvSpPr>
-        <p:spPr>
-          <a:xfrm>
-            <a:off x="4001729" y="843240"/>
-            <a:ext cx="6096000" cy="369332"/>
-          </a:xfrm>
-          <a:prstGeom prst="rect">
-            <a:avLst/>
-          </a:prstGeom>
-          <a:noFill/>
-        </p:spPr>
-        <p:txBody>
-          <a:bodyPr wrap="square">
-            <a:spAutoFit/>
-          </a:bodyPr>
-          <a:lstStyle/>
-          <a:p>
-            <a:r>
-              <a:rPr lang="en-US" b="0" dirty="0">
-                <a:solidFill>
-                  <a:srgbClr val="808080"/>
-                </a:solidFill>
-                <a:effectLst/>
-                <a:highlight>
-                  <a:srgbClr val="1F1F1F"/>
-                </a:highlight>
-                <a:latin typeface="Consolas" panose="020B0609020204030204" pitchFamily="49" charset="0"/>
-              </a:rPr>
-              <a:t>&lt;</a:t>
-            </a:r>
-            <a:r>
-              <a:rPr lang="en-US" b="0" dirty="0">
-                <a:solidFill>
-                  <a:srgbClr val="569CD6"/>
-                </a:solidFill>
-                <a:effectLst/>
-                <a:highlight>
-                  <a:srgbClr val="1F1F1F"/>
-                </a:highlight>
-                <a:latin typeface="Consolas" panose="020B0609020204030204" pitchFamily="49" charset="0"/>
-              </a:rPr>
-              <a:t>link</a:t>
-            </a:r>
-            <a:r>
-              <a:rPr lang="en-US" b="0" dirty="0">
-                <a:solidFill>
-                  <a:srgbClr val="CCCCCC"/>
-                </a:solidFill>
-                <a:effectLst/>
-                <a:highlight>
-                  <a:srgbClr val="1F1F1F"/>
-                </a:highlight>
-                <a:latin typeface="Consolas" panose="020B0609020204030204" pitchFamily="49" charset="0"/>
-              </a:rPr>
-              <a:t> </a:t>
-            </a:r>
-            <a:r>
-              <a:rPr lang="en-US" b="0" dirty="0" err="1">
-                <a:solidFill>
-                  <a:srgbClr val="9CDCFE"/>
-                </a:solidFill>
-                <a:effectLst/>
-                <a:highlight>
-                  <a:srgbClr val="1F1F1F"/>
-                </a:highlight>
-                <a:latin typeface="Consolas" panose="020B0609020204030204" pitchFamily="49" charset="0"/>
-              </a:rPr>
-              <a:t>rel</a:t>
-            </a:r>
-            <a:r>
-              <a:rPr lang="en-US" b="0" dirty="0">
-                <a:solidFill>
-                  <a:srgbClr val="CCCCCC"/>
-                </a:solidFill>
-                <a:effectLst/>
-                <a:highlight>
-                  <a:srgbClr val="1F1F1F"/>
-                </a:highlight>
-                <a:latin typeface="Consolas" panose="020B0609020204030204" pitchFamily="49" charset="0"/>
-              </a:rPr>
-              <a:t>=</a:t>
-            </a:r>
-            <a:r>
-              <a:rPr lang="en-US" b="0" dirty="0">
-                <a:solidFill>
-                  <a:srgbClr val="CE9178"/>
-                </a:solidFill>
-                <a:effectLst/>
-                <a:highlight>
-                  <a:srgbClr val="1F1F1F"/>
-                </a:highlight>
-                <a:latin typeface="Consolas" panose="020B0609020204030204" pitchFamily="49" charset="0"/>
-              </a:rPr>
-              <a:t>"stylesheet"</a:t>
-            </a:r>
-            <a:r>
-              <a:rPr lang="en-US" b="0" dirty="0">
-                <a:solidFill>
-                  <a:srgbClr val="CCCCCC"/>
-                </a:solidFill>
-                <a:effectLst/>
-                <a:highlight>
-                  <a:srgbClr val="1F1F1F"/>
-                </a:highlight>
-                <a:latin typeface="Consolas" panose="020B0609020204030204" pitchFamily="49" charset="0"/>
-              </a:rPr>
-              <a:t> </a:t>
-            </a:r>
-            <a:r>
-              <a:rPr lang="en-US" b="0" dirty="0" err="1">
-                <a:solidFill>
-                  <a:srgbClr val="9CDCFE"/>
-                </a:solidFill>
-                <a:effectLst/>
-                <a:highlight>
-                  <a:srgbClr val="1F1F1F"/>
-                </a:highlight>
-                <a:latin typeface="Consolas" panose="020B0609020204030204" pitchFamily="49" charset="0"/>
-              </a:rPr>
-              <a:t>href</a:t>
-            </a:r>
-            <a:r>
-              <a:rPr lang="en-US" b="0" dirty="0">
-                <a:solidFill>
-                  <a:srgbClr val="CCCCCC"/>
-                </a:solidFill>
-                <a:effectLst/>
-                <a:highlight>
-                  <a:srgbClr val="1F1F1F"/>
-                </a:highlight>
-                <a:latin typeface="Consolas" panose="020B0609020204030204" pitchFamily="49" charset="0"/>
-              </a:rPr>
-              <a:t>=</a:t>
-            </a:r>
-            <a:r>
-              <a:rPr lang="en-US" b="0" dirty="0">
-                <a:solidFill>
-                  <a:srgbClr val="CE9178"/>
-                </a:solidFill>
-                <a:effectLst/>
-                <a:highlight>
-                  <a:srgbClr val="1F1F1F"/>
-                </a:highlight>
-                <a:latin typeface="Consolas" panose="020B0609020204030204" pitchFamily="49" charset="0"/>
-              </a:rPr>
-              <a:t>"style.css"</a:t>
-            </a:r>
-            <a:r>
-              <a:rPr lang="en-US" b="0" dirty="0">
-                <a:solidFill>
-                  <a:srgbClr val="808080"/>
-                </a:solidFill>
-                <a:effectLst/>
-                <a:highlight>
-                  <a:srgbClr val="1F1F1F"/>
-                </a:highlight>
-                <a:latin typeface="Consolas" panose="020B0609020204030204" pitchFamily="49" charset="0"/>
-              </a:rPr>
-              <a:t>/&gt;</a:t>
-            </a:r>
-            <a:endParaRPr lang="en-US" b="0" dirty="0">
-              <a:solidFill>
-                <a:srgbClr val="CCCCCC"/>
-              </a:solidFill>
-              <a:effectLst/>
-              <a:highlight>
-                <a:srgbClr val="1F1F1F"/>
-              </a:highlight>
-              <a:latin typeface="Consolas" panose="020B0609020204030204" pitchFamily="49" charset="0"/>
-            </a:endParaRPr>
-          </a:p>
-        </p:txBody>
-      </p:sp>
-    </p:spTree>
-    <p:extLst>
-      <p:ext uri="{BB962C8B-B14F-4D97-AF65-F5344CB8AC3E}">
-        <p14:creationId xmlns:p14="http://schemas.microsoft.com/office/powerpoint/2010/main" val="94048692"/>
-      </p:ext>
-    </p:extLst>
-  </p:cSld>
-  <p:clrMapOvr>
-    <a:masterClrMapping/>
-  </p:clrMapOvr>
-</p:sld>
-</file>
-
-<file path=ppt/slides/slide15.xml><?xml version="1.0" encoding="utf-8"?>
-<p:sld xmlns:a="http://schemas.openxmlformats.org/drawingml/2006/main" xmlns:r="http://schemas.openxmlformats.org/officeDocument/2006/relationships" xmlns:p="http://schemas.openxmlformats.org/presentationml/2006/main">
-  <p:cSld>
-    <p:spTree>
-      <p:nvGrpSpPr>
-        <p:cNvPr id="1" name=""/>
-        <p:cNvGrpSpPr/>
-        <p:nvPr/>
-      </p:nvGrpSpPr>
-      <p:grpSpPr>
-        <a:xfrm>
-          <a:off x="0" y="0"/>
-          <a:ext cx="0" cy="0"/>
-          <a:chOff x="0" y="0"/>
-          <a:chExt cx="0" cy="0"/>
-        </a:xfrm>
-      </p:grpSpPr>
-      <p:sp>
-        <p:nvSpPr>
-          <p:cNvPr id="2" name="Title 1">
-            <a:extLst>
-              <a:ext uri="{FF2B5EF4-FFF2-40B4-BE49-F238E27FC236}">
-                <a16:creationId xmlns:a16="http://schemas.microsoft.com/office/drawing/2014/main" id="{8F82F869-48C2-33AB-50F3-0424FA85B387}"/>
-              </a:ext>
-            </a:extLst>
-          </p:cNvPr>
-          <p:cNvSpPr>
-            <a:spLocks noGrp="1"/>
-          </p:cNvSpPr>
-          <p:nvPr>
-            <p:ph type="title"/>
-          </p:nvPr>
-        </p:nvSpPr>
-        <p:spPr/>
-        <p:txBody>
-          <a:bodyPr/>
-          <a:lstStyle/>
-          <a:p>
-            <a:r>
-              <a:rPr lang="en-US" dirty="0"/>
-              <a:t>Selectors</a:t>
-            </a:r>
-          </a:p>
-        </p:txBody>
-      </p:sp>
-      <p:sp>
-        <p:nvSpPr>
-          <p:cNvPr id="3" name="Content Placeholder 2">
-            <a:extLst>
-              <a:ext uri="{FF2B5EF4-FFF2-40B4-BE49-F238E27FC236}">
-                <a16:creationId xmlns:a16="http://schemas.microsoft.com/office/drawing/2014/main" id="{279B0779-D627-A7CB-098F-BB33B95B4CAA}"/>
-              </a:ext>
-            </a:extLst>
-          </p:cNvPr>
-          <p:cNvSpPr>
-            <a:spLocks noGrp="1"/>
-          </p:cNvSpPr>
-          <p:nvPr>
-            <p:ph idx="1"/>
-          </p:nvPr>
-        </p:nvSpPr>
-        <p:spPr>
-          <a:xfrm>
-            <a:off x="838200" y="1825625"/>
-            <a:ext cx="3566652" cy="524285"/>
-          </a:xfrm>
-        </p:spPr>
-        <p:txBody>
-          <a:bodyPr/>
-          <a:lstStyle/>
-          <a:p>
-            <a:r>
-              <a:rPr lang="en-US" b="1" i="0" dirty="0">
-                <a:solidFill>
-                  <a:srgbClr val="1F1F1F"/>
-                </a:solidFill>
-                <a:effectLst/>
-                <a:highlight>
-                  <a:srgbClr val="FFFFFF"/>
-                </a:highlight>
-                <a:latin typeface="var(--cds-font-family-source-sans-pro)"/>
-              </a:rPr>
-              <a:t>Element Selectors</a:t>
-            </a:r>
-          </a:p>
-          <a:p>
-            <a:endParaRPr lang="en-US" dirty="0"/>
-          </a:p>
-        </p:txBody>
-      </p:sp>
-      <p:pic>
-        <p:nvPicPr>
-          <p:cNvPr id="5" name="Picture 4" descr="A screenshot of a computer&#10;&#10;Description automatically generated">
-            <a:extLst>
-              <a:ext uri="{FF2B5EF4-FFF2-40B4-BE49-F238E27FC236}">
-                <a16:creationId xmlns:a16="http://schemas.microsoft.com/office/drawing/2014/main" id="{C42D7A9D-69D4-70B4-E2A8-FD17DCAA1EB2}"/>
-              </a:ext>
-            </a:extLst>
-          </p:cNvPr>
-          <p:cNvPicPr>
-            <a:picLocks noChangeAspect="1"/>
-          </p:cNvPicPr>
-          <p:nvPr/>
-        </p:nvPicPr>
-        <p:blipFill>
-          <a:blip r:embed="rId2">
-            <a:extLst>
-              <a:ext uri="{28A0092B-C50C-407E-A947-70E740481C1C}">
-                <a14:useLocalDpi xmlns:a14="http://schemas.microsoft.com/office/drawing/2010/main" val="0"/>
-              </a:ext>
-            </a:extLst>
-          </a:blip>
-          <a:stretch>
-            <a:fillRect/>
-          </a:stretch>
-        </p:blipFill>
-        <p:spPr>
-          <a:xfrm>
-            <a:off x="2176485" y="2349910"/>
-            <a:ext cx="8487960" cy="3801005"/>
-          </a:xfrm>
-          <a:prstGeom prst="rect">
-            <a:avLst/>
-          </a:prstGeom>
-        </p:spPr>
-      </p:pic>
-    </p:spTree>
-    <p:extLst>
-      <p:ext uri="{BB962C8B-B14F-4D97-AF65-F5344CB8AC3E}">
-        <p14:creationId xmlns:p14="http://schemas.microsoft.com/office/powerpoint/2010/main" val="3697714052"/>
-      </p:ext>
-    </p:extLst>
-  </p:cSld>
-  <p:clrMapOvr>
-    <a:masterClrMapping/>
-  </p:clrMapOvr>
-</p:sld>
-</file>
-
-<file path=ppt/slides/slide16.xml><?xml version="1.0" encoding="utf-8"?>
-<p:sld xmlns:a="http://schemas.openxmlformats.org/drawingml/2006/main" xmlns:r="http://schemas.openxmlformats.org/officeDocument/2006/relationships" xmlns:p="http://schemas.openxmlformats.org/presentationml/2006/main">
-  <p:cSld>
-    <p:spTree>
-      <p:nvGrpSpPr>
-        <p:cNvPr id="1" name=""/>
-        <p:cNvGrpSpPr/>
-        <p:nvPr/>
-      </p:nvGrpSpPr>
-      <p:grpSpPr>
-        <a:xfrm>
-          <a:off x="0" y="0"/>
-          <a:ext cx="0" cy="0"/>
-          <a:chOff x="0" y="0"/>
-          <a:chExt cx="0" cy="0"/>
-        </a:xfrm>
-      </p:grpSpPr>
-      <p:sp>
-        <p:nvSpPr>
-          <p:cNvPr id="2" name="Title 1">
-            <a:extLst>
-              <a:ext uri="{FF2B5EF4-FFF2-40B4-BE49-F238E27FC236}">
-                <a16:creationId xmlns:a16="http://schemas.microsoft.com/office/drawing/2014/main" id="{8F82F869-48C2-33AB-50F3-0424FA85B387}"/>
-              </a:ext>
-            </a:extLst>
-          </p:cNvPr>
-          <p:cNvSpPr>
-            <a:spLocks noGrp="1"/>
-          </p:cNvSpPr>
-          <p:nvPr>
-            <p:ph type="title"/>
-          </p:nvPr>
-        </p:nvSpPr>
-        <p:spPr/>
-        <p:txBody>
-          <a:bodyPr/>
-          <a:lstStyle/>
-          <a:p>
-            <a:r>
-              <a:rPr lang="en-US" dirty="0"/>
-              <a:t>Selectors</a:t>
-            </a:r>
-          </a:p>
-        </p:txBody>
-      </p:sp>
-      <p:sp>
-        <p:nvSpPr>
-          <p:cNvPr id="3" name="Content Placeholder 2">
-            <a:extLst>
-              <a:ext uri="{FF2B5EF4-FFF2-40B4-BE49-F238E27FC236}">
-                <a16:creationId xmlns:a16="http://schemas.microsoft.com/office/drawing/2014/main" id="{279B0779-D627-A7CB-098F-BB33B95B4CAA}"/>
-              </a:ext>
-            </a:extLst>
-          </p:cNvPr>
-          <p:cNvSpPr>
-            <a:spLocks noGrp="1"/>
-          </p:cNvSpPr>
-          <p:nvPr>
-            <p:ph idx="1"/>
-          </p:nvPr>
-        </p:nvSpPr>
-        <p:spPr>
-          <a:xfrm>
-            <a:off x="838200" y="1825625"/>
-            <a:ext cx="3566652" cy="524285"/>
-          </a:xfrm>
-        </p:spPr>
-        <p:txBody>
-          <a:bodyPr/>
-          <a:lstStyle/>
-          <a:p>
-            <a:r>
-              <a:rPr lang="en-US" b="1" i="0" dirty="0">
-                <a:solidFill>
-                  <a:srgbClr val="1F1F1F"/>
-                </a:solidFill>
-                <a:effectLst/>
-                <a:highlight>
-                  <a:srgbClr val="FFFFFF"/>
-                </a:highlight>
-                <a:latin typeface="var(--cds-font-family-source-sans-pro)"/>
-              </a:rPr>
-              <a:t>ID Selectors</a:t>
-            </a:r>
-          </a:p>
-          <a:p>
-            <a:endParaRPr lang="en-US" dirty="0"/>
-          </a:p>
-        </p:txBody>
-      </p:sp>
-      <p:pic>
-        <p:nvPicPr>
-          <p:cNvPr id="6" name="Picture 5" descr="A screenshot of a computer program&#10;&#10;Description automatically generated">
-            <a:extLst>
-              <a:ext uri="{FF2B5EF4-FFF2-40B4-BE49-F238E27FC236}">
-                <a16:creationId xmlns:a16="http://schemas.microsoft.com/office/drawing/2014/main" id="{5917A6B7-4C0E-5D6A-732B-E44DD50CA4AF}"/>
-              </a:ext>
-            </a:extLst>
-          </p:cNvPr>
-          <p:cNvPicPr>
-            <a:picLocks noChangeAspect="1"/>
-          </p:cNvPicPr>
-          <p:nvPr/>
-        </p:nvPicPr>
-        <p:blipFill>
-          <a:blip r:embed="rId2">
-            <a:extLst>
-              <a:ext uri="{28A0092B-C50C-407E-A947-70E740481C1C}">
-                <a14:useLocalDpi xmlns:a14="http://schemas.microsoft.com/office/drawing/2010/main" val="0"/>
-              </a:ext>
-            </a:extLst>
-          </a:blip>
-          <a:stretch>
-            <a:fillRect/>
-          </a:stretch>
-        </p:blipFill>
-        <p:spPr>
-          <a:xfrm>
-            <a:off x="3510001" y="1872328"/>
-            <a:ext cx="8259328" cy="4401164"/>
-          </a:xfrm>
-          <a:prstGeom prst="rect">
-            <a:avLst/>
-          </a:prstGeom>
-        </p:spPr>
-      </p:pic>
-    </p:spTree>
-    <p:extLst>
-      <p:ext uri="{BB962C8B-B14F-4D97-AF65-F5344CB8AC3E}">
-        <p14:creationId xmlns:p14="http://schemas.microsoft.com/office/powerpoint/2010/main" val="3654713784"/>
-      </p:ext>
-    </p:extLst>
-  </p:cSld>
-  <p:clrMapOvr>
-    <a:masterClrMapping/>
-  </p:clrMapOvr>
-</p:sld>
-</file>
-
-<file path=ppt/slides/slide17.xml><?xml version="1.0" encoding="utf-8"?>
-<p:sld xmlns:a="http://schemas.openxmlformats.org/drawingml/2006/main" xmlns:r="http://schemas.openxmlformats.org/officeDocument/2006/relationships" xmlns:p="http://schemas.openxmlformats.org/presentationml/2006/main">
-  <p:cSld>
-    <p:spTree>
-      <p:nvGrpSpPr>
-        <p:cNvPr id="1" name=""/>
-        <p:cNvGrpSpPr/>
-        <p:nvPr/>
-      </p:nvGrpSpPr>
-      <p:grpSpPr>
-        <a:xfrm>
-          <a:off x="0" y="0"/>
-          <a:ext cx="0" cy="0"/>
-          <a:chOff x="0" y="0"/>
-          <a:chExt cx="0" cy="0"/>
-        </a:xfrm>
-      </p:grpSpPr>
-      <p:sp>
-        <p:nvSpPr>
-          <p:cNvPr id="2" name="Title 1">
-            <a:extLst>
-              <a:ext uri="{FF2B5EF4-FFF2-40B4-BE49-F238E27FC236}">
-                <a16:creationId xmlns:a16="http://schemas.microsoft.com/office/drawing/2014/main" id="{8F82F869-48C2-33AB-50F3-0424FA85B387}"/>
-              </a:ext>
-            </a:extLst>
-          </p:cNvPr>
-          <p:cNvSpPr>
-            <a:spLocks noGrp="1"/>
-          </p:cNvSpPr>
-          <p:nvPr>
-            <p:ph type="title"/>
-          </p:nvPr>
-        </p:nvSpPr>
-        <p:spPr/>
-        <p:txBody>
-          <a:bodyPr/>
-          <a:lstStyle/>
-          <a:p>
-            <a:r>
-              <a:rPr lang="en-US" dirty="0"/>
-              <a:t>Selectors</a:t>
-            </a:r>
-          </a:p>
-        </p:txBody>
-      </p:sp>
-      <p:sp>
-        <p:nvSpPr>
-          <p:cNvPr id="3" name="Content Placeholder 2">
-            <a:extLst>
-              <a:ext uri="{FF2B5EF4-FFF2-40B4-BE49-F238E27FC236}">
-                <a16:creationId xmlns:a16="http://schemas.microsoft.com/office/drawing/2014/main" id="{279B0779-D627-A7CB-098F-BB33B95B4CAA}"/>
-              </a:ext>
-            </a:extLst>
-          </p:cNvPr>
-          <p:cNvSpPr>
-            <a:spLocks noGrp="1"/>
-          </p:cNvSpPr>
-          <p:nvPr>
-            <p:ph idx="1"/>
-          </p:nvPr>
-        </p:nvSpPr>
-        <p:spPr>
-          <a:xfrm>
-            <a:off x="838200" y="1825625"/>
-            <a:ext cx="3566652" cy="524285"/>
-          </a:xfrm>
-        </p:spPr>
-        <p:txBody>
-          <a:bodyPr/>
-          <a:lstStyle/>
-          <a:p>
-            <a:pPr algn="l"/>
-            <a:r>
-              <a:rPr lang="en-US" b="1" i="0" dirty="0">
-                <a:solidFill>
-                  <a:srgbClr val="1F1F1F"/>
-                </a:solidFill>
-                <a:effectLst/>
-                <a:highlight>
-                  <a:srgbClr val="FFFFFF"/>
-                </a:highlight>
-                <a:latin typeface="var(--cds-font-family-source-sans-pro)"/>
-              </a:rPr>
-              <a:t>Class Selectors</a:t>
-            </a:r>
-          </a:p>
-          <a:p>
-            <a:endParaRPr lang="en-US" dirty="0"/>
-          </a:p>
-        </p:txBody>
-      </p:sp>
-      <p:pic>
-        <p:nvPicPr>
-          <p:cNvPr id="12" name="Picture 11" descr="A screenshot of a computer&#10;&#10;Description automatically generated">
-            <a:extLst>
-              <a:ext uri="{FF2B5EF4-FFF2-40B4-BE49-F238E27FC236}">
-                <a16:creationId xmlns:a16="http://schemas.microsoft.com/office/drawing/2014/main" id="{7382D5F5-F217-9142-5A16-999BA8D7B0F8}"/>
-              </a:ext>
-            </a:extLst>
-          </p:cNvPr>
-          <p:cNvPicPr>
-            <a:picLocks noChangeAspect="1"/>
-          </p:cNvPicPr>
-          <p:nvPr/>
-        </p:nvPicPr>
-        <p:blipFill>
-          <a:blip r:embed="rId2">
-            <a:extLst>
-              <a:ext uri="{28A0092B-C50C-407E-A947-70E740481C1C}">
-                <a14:useLocalDpi xmlns:a14="http://schemas.microsoft.com/office/drawing/2010/main" val="0"/>
-              </a:ext>
-            </a:extLst>
-          </a:blip>
-          <a:stretch>
-            <a:fillRect/>
-          </a:stretch>
-        </p:blipFill>
-        <p:spPr>
-          <a:xfrm>
-            <a:off x="3385109" y="2219815"/>
-            <a:ext cx="8135485" cy="3991532"/>
-          </a:xfrm>
-          <a:prstGeom prst="rect">
-            <a:avLst/>
-          </a:prstGeom>
-        </p:spPr>
-      </p:pic>
-    </p:spTree>
-    <p:extLst>
-      <p:ext uri="{BB962C8B-B14F-4D97-AF65-F5344CB8AC3E}">
-        <p14:creationId xmlns:p14="http://schemas.microsoft.com/office/powerpoint/2010/main" val="757073874"/>
-      </p:ext>
-    </p:extLst>
-  </p:cSld>
-  <p:clrMapOvr>
-    <a:masterClrMapping/>
-  </p:clrMapOvr>
-</p:sld>
-</file>
-
-<file path=ppt/slides/slide18.xml><?xml version="1.0" encoding="utf-8"?>
-<p:sld xmlns:a="http://schemas.openxmlformats.org/drawingml/2006/main" xmlns:r="http://schemas.openxmlformats.org/officeDocument/2006/relationships" xmlns:p="http://schemas.openxmlformats.org/presentationml/2006/main">
-  <p:cSld>
-    <p:spTree>
-      <p:nvGrpSpPr>
-        <p:cNvPr id="1" name=""/>
-        <p:cNvGrpSpPr/>
-        <p:nvPr/>
-      </p:nvGrpSpPr>
-      <p:grpSpPr>
-        <a:xfrm>
-          <a:off x="0" y="0"/>
-          <a:ext cx="0" cy="0"/>
-          <a:chOff x="0" y="0"/>
-          <a:chExt cx="0" cy="0"/>
-        </a:xfrm>
-      </p:grpSpPr>
-      <p:sp>
-        <p:nvSpPr>
-          <p:cNvPr id="2" name="Title 1">
-            <a:extLst>
-              <a:ext uri="{FF2B5EF4-FFF2-40B4-BE49-F238E27FC236}">
-                <a16:creationId xmlns:a16="http://schemas.microsoft.com/office/drawing/2014/main" id="{8F82F869-48C2-33AB-50F3-0424FA85B387}"/>
-              </a:ext>
-            </a:extLst>
-          </p:cNvPr>
-          <p:cNvSpPr>
-            <a:spLocks noGrp="1"/>
-          </p:cNvSpPr>
-          <p:nvPr>
-            <p:ph type="title"/>
-          </p:nvPr>
-        </p:nvSpPr>
-        <p:spPr/>
-        <p:txBody>
-          <a:bodyPr/>
-          <a:lstStyle/>
-          <a:p>
-            <a:r>
-              <a:rPr lang="en-US" dirty="0"/>
-              <a:t>Selectors</a:t>
-            </a:r>
-          </a:p>
-        </p:txBody>
-      </p:sp>
-      <p:sp>
-        <p:nvSpPr>
-          <p:cNvPr id="3" name="Content Placeholder 2">
-            <a:extLst>
-              <a:ext uri="{FF2B5EF4-FFF2-40B4-BE49-F238E27FC236}">
-                <a16:creationId xmlns:a16="http://schemas.microsoft.com/office/drawing/2014/main" id="{279B0779-D627-A7CB-098F-BB33B95B4CAA}"/>
-              </a:ext>
-            </a:extLst>
-          </p:cNvPr>
-          <p:cNvSpPr>
-            <a:spLocks noGrp="1"/>
-          </p:cNvSpPr>
-          <p:nvPr>
-            <p:ph idx="1"/>
-          </p:nvPr>
-        </p:nvSpPr>
-        <p:spPr>
-          <a:xfrm>
-            <a:off x="838199" y="1825625"/>
-            <a:ext cx="4471219" cy="622607"/>
-          </a:xfrm>
-        </p:spPr>
-        <p:txBody>
-          <a:bodyPr>
-            <a:normAutofit fontScale="92500"/>
-          </a:bodyPr>
-          <a:lstStyle/>
-          <a:p>
-            <a:pPr algn="l"/>
-            <a:r>
-              <a:rPr lang="en-US" b="1" i="0" dirty="0">
-                <a:solidFill>
-                  <a:srgbClr val="1F1F1F"/>
-                </a:solidFill>
-                <a:effectLst/>
-                <a:highlight>
-                  <a:srgbClr val="FFFFFF"/>
-                </a:highlight>
-                <a:latin typeface="var(--cds-font-family-source-sans-pro)"/>
-              </a:rPr>
-              <a:t>Element with Class Selector</a:t>
-            </a:r>
-          </a:p>
-          <a:p>
-            <a:pPr marL="0" indent="0">
-              <a:buNone/>
-            </a:pPr>
-            <a:endParaRPr lang="en-US" dirty="0"/>
-          </a:p>
-        </p:txBody>
-      </p:sp>
-      <p:pic>
-        <p:nvPicPr>
-          <p:cNvPr id="5" name="Picture 4" descr="A screenshot of a computer&#10;&#10;Description automatically generated">
-            <a:extLst>
-              <a:ext uri="{FF2B5EF4-FFF2-40B4-BE49-F238E27FC236}">
-                <a16:creationId xmlns:a16="http://schemas.microsoft.com/office/drawing/2014/main" id="{3EF95816-068C-577F-F1BC-A1848AC0CB3F}"/>
-              </a:ext>
-            </a:extLst>
-          </p:cNvPr>
-          <p:cNvPicPr>
-            <a:picLocks noChangeAspect="1"/>
-          </p:cNvPicPr>
-          <p:nvPr/>
-        </p:nvPicPr>
-        <p:blipFill>
-          <a:blip r:embed="rId2">
-            <a:extLst>
-              <a:ext uri="{28A0092B-C50C-407E-A947-70E740481C1C}">
-                <a14:useLocalDpi xmlns:a14="http://schemas.microsoft.com/office/drawing/2010/main" val="0"/>
-              </a:ext>
-            </a:extLst>
-          </a:blip>
-          <a:stretch>
-            <a:fillRect/>
-          </a:stretch>
-        </p:blipFill>
-        <p:spPr>
-          <a:xfrm>
-            <a:off x="3925182" y="2448232"/>
-            <a:ext cx="7173326" cy="3543795"/>
-          </a:xfrm>
-          <a:prstGeom prst="rect">
-            <a:avLst/>
-          </a:prstGeom>
-        </p:spPr>
-      </p:pic>
-    </p:spTree>
-    <p:extLst>
-      <p:ext uri="{BB962C8B-B14F-4D97-AF65-F5344CB8AC3E}">
-        <p14:creationId xmlns:p14="http://schemas.microsoft.com/office/powerpoint/2010/main" val="139967487"/>
-      </p:ext>
-    </p:extLst>
-  </p:cSld>
-  <p:clrMapOvr>
-    <a:masterClrMapping/>
-  </p:clrMapOvr>
-</p:sld>
-</file>
-
-<file path=ppt/slides/slide19.xml><?xml version="1.0" encoding="utf-8"?>
-<p:sld xmlns:a="http://schemas.openxmlformats.org/drawingml/2006/main" xmlns:r="http://schemas.openxmlformats.org/officeDocument/2006/relationships" xmlns:p="http://schemas.openxmlformats.org/presentationml/2006/main">
-  <p:cSld>
-    <p:spTree>
-      <p:nvGrpSpPr>
-        <p:cNvPr id="1" name=""/>
-        <p:cNvGrpSpPr/>
-        <p:nvPr/>
-      </p:nvGrpSpPr>
-      <p:grpSpPr>
-        <a:xfrm>
-          <a:off x="0" y="0"/>
-          <a:ext cx="0" cy="0"/>
-          <a:chOff x="0" y="0"/>
-          <a:chExt cx="0" cy="0"/>
-        </a:xfrm>
-      </p:grpSpPr>
-      <p:sp>
-        <p:nvSpPr>
-          <p:cNvPr id="2" name="Title 1">
-            <a:extLst>
-              <a:ext uri="{FF2B5EF4-FFF2-40B4-BE49-F238E27FC236}">
-                <a16:creationId xmlns:a16="http://schemas.microsoft.com/office/drawing/2014/main" id="{8F82F869-48C2-33AB-50F3-0424FA85B387}"/>
-              </a:ext>
-            </a:extLst>
-          </p:cNvPr>
-          <p:cNvSpPr>
-            <a:spLocks noGrp="1"/>
-          </p:cNvSpPr>
-          <p:nvPr>
-            <p:ph type="title"/>
-          </p:nvPr>
-        </p:nvSpPr>
-        <p:spPr/>
-        <p:txBody>
-          <a:bodyPr/>
-          <a:lstStyle/>
-          <a:p>
-            <a:r>
-              <a:rPr lang="en-US" dirty="0"/>
-              <a:t>Selectors</a:t>
-            </a:r>
-          </a:p>
-        </p:txBody>
-      </p:sp>
-      <p:sp>
-        <p:nvSpPr>
-          <p:cNvPr id="3" name="Content Placeholder 2">
-            <a:extLst>
-              <a:ext uri="{FF2B5EF4-FFF2-40B4-BE49-F238E27FC236}">
-                <a16:creationId xmlns:a16="http://schemas.microsoft.com/office/drawing/2014/main" id="{279B0779-D627-A7CB-098F-BB33B95B4CAA}"/>
-              </a:ext>
-            </a:extLst>
-          </p:cNvPr>
-          <p:cNvSpPr>
-            <a:spLocks noGrp="1"/>
-          </p:cNvSpPr>
-          <p:nvPr>
-            <p:ph idx="1"/>
-          </p:nvPr>
-        </p:nvSpPr>
-        <p:spPr>
-          <a:xfrm>
-            <a:off x="838199" y="1825625"/>
-            <a:ext cx="4471219" cy="622607"/>
-          </a:xfrm>
-        </p:spPr>
-        <p:txBody>
-          <a:bodyPr>
-            <a:normAutofit/>
-          </a:bodyPr>
-          <a:lstStyle/>
-          <a:p>
-            <a:pPr algn="l"/>
-            <a:r>
-              <a:rPr lang="en-US" b="1" i="0" dirty="0">
-                <a:solidFill>
-                  <a:srgbClr val="1F1F1F"/>
-                </a:solidFill>
-                <a:effectLst/>
-                <a:highlight>
-                  <a:srgbClr val="FFFFFF"/>
-                </a:highlight>
-                <a:latin typeface="var(--cds-font-family-source-sans-pro)"/>
-              </a:rPr>
-              <a:t>Descendant Selectors</a:t>
-            </a:r>
-          </a:p>
-          <a:p>
-            <a:pPr marL="0" indent="0">
-              <a:buNone/>
-            </a:pPr>
-            <a:endParaRPr lang="en-US" dirty="0"/>
-          </a:p>
-        </p:txBody>
-      </p:sp>
-      <p:pic>
-        <p:nvPicPr>
-          <p:cNvPr id="6" name="Picture 5" descr="A screenshot of a computer&#10;&#10;Description automatically generated">
-            <a:extLst>
-              <a:ext uri="{FF2B5EF4-FFF2-40B4-BE49-F238E27FC236}">
-                <a16:creationId xmlns:a16="http://schemas.microsoft.com/office/drawing/2014/main" id="{433A7A1B-7D85-DD58-6D73-CDC8CAC4915E}"/>
-              </a:ext>
-            </a:extLst>
-          </p:cNvPr>
-          <p:cNvPicPr>
-            <a:picLocks noChangeAspect="1"/>
-          </p:cNvPicPr>
-          <p:nvPr/>
-        </p:nvPicPr>
-        <p:blipFill>
-          <a:blip r:embed="rId2">
-            <a:extLst>
-              <a:ext uri="{28A0092B-C50C-407E-A947-70E740481C1C}">
-                <a14:useLocalDpi xmlns:a14="http://schemas.microsoft.com/office/drawing/2010/main" val="0"/>
-              </a:ext>
-            </a:extLst>
-          </a:blip>
-          <a:stretch>
-            <a:fillRect/>
-          </a:stretch>
-        </p:blipFill>
-        <p:spPr>
-          <a:xfrm>
-            <a:off x="4611328" y="1356624"/>
-            <a:ext cx="7431773" cy="4889547"/>
-          </a:xfrm>
-          <a:prstGeom prst="rect">
-            <a:avLst/>
-          </a:prstGeom>
-        </p:spPr>
-      </p:pic>
-    </p:spTree>
-    <p:extLst>
-      <p:ext uri="{BB962C8B-B14F-4D97-AF65-F5344CB8AC3E}">
-        <p14:creationId xmlns:p14="http://schemas.microsoft.com/office/powerpoint/2010/main" val="2540156542"/>
-      </p:ext>
-    </p:extLst>
-  </p:cSld>
-  <p:clrMapOvr>
-    <a:masterClrMapping/>
-  </p:clrMapOvr>
-</p:sld>
-</file>
-
 <file path=ppt/slides/slide2.xml><?xml version="1.0" encoding="utf-8"?>
 <p:sld xmlns:a="http://schemas.openxmlformats.org/drawingml/2006/main" xmlns:r="http://schemas.openxmlformats.org/officeDocument/2006/relationships" xmlns:p="http://schemas.openxmlformats.org/presentationml/2006/main">
   <p:cSld>
@@ -7024,2069 +6030,6 @@
     <p:extLst>
       <p:ext uri="{BB962C8B-B14F-4D97-AF65-F5344CB8AC3E}">
         <p14:creationId xmlns:p14="http://schemas.microsoft.com/office/powerpoint/2010/main" val="2073638993"/>
-      </p:ext>
-    </p:extLst>
-  </p:cSld>
-  <p:clrMapOvr>
-    <a:masterClrMapping/>
-  </p:clrMapOvr>
-</p:sld>
-</file>
-
-<file path=ppt/slides/slide20.xml><?xml version="1.0" encoding="utf-8"?>
-<p:sld xmlns:a="http://schemas.openxmlformats.org/drawingml/2006/main" xmlns:r="http://schemas.openxmlformats.org/officeDocument/2006/relationships" xmlns:p="http://schemas.openxmlformats.org/presentationml/2006/main">
-  <p:cSld>
-    <p:spTree>
-      <p:nvGrpSpPr>
-        <p:cNvPr id="1" name=""/>
-        <p:cNvGrpSpPr/>
-        <p:nvPr/>
-      </p:nvGrpSpPr>
-      <p:grpSpPr>
-        <a:xfrm>
-          <a:off x="0" y="0"/>
-          <a:ext cx="0" cy="0"/>
-          <a:chOff x="0" y="0"/>
-          <a:chExt cx="0" cy="0"/>
-        </a:xfrm>
-      </p:grpSpPr>
-      <p:sp>
-        <p:nvSpPr>
-          <p:cNvPr id="2" name="Title 1">
-            <a:extLst>
-              <a:ext uri="{FF2B5EF4-FFF2-40B4-BE49-F238E27FC236}">
-                <a16:creationId xmlns:a16="http://schemas.microsoft.com/office/drawing/2014/main" id="{8F82F869-48C2-33AB-50F3-0424FA85B387}"/>
-              </a:ext>
-            </a:extLst>
-          </p:cNvPr>
-          <p:cNvSpPr>
-            <a:spLocks noGrp="1"/>
-          </p:cNvSpPr>
-          <p:nvPr>
-            <p:ph type="title"/>
-          </p:nvPr>
-        </p:nvSpPr>
-        <p:spPr/>
-        <p:txBody>
-          <a:bodyPr/>
-          <a:lstStyle/>
-          <a:p>
-            <a:r>
-              <a:rPr lang="en-US" dirty="0"/>
-              <a:t>Selectors</a:t>
-            </a:r>
-          </a:p>
-        </p:txBody>
-      </p:sp>
-      <p:sp>
-        <p:nvSpPr>
-          <p:cNvPr id="3" name="Content Placeholder 2">
-            <a:extLst>
-              <a:ext uri="{FF2B5EF4-FFF2-40B4-BE49-F238E27FC236}">
-                <a16:creationId xmlns:a16="http://schemas.microsoft.com/office/drawing/2014/main" id="{279B0779-D627-A7CB-098F-BB33B95B4CAA}"/>
-              </a:ext>
-            </a:extLst>
-          </p:cNvPr>
-          <p:cNvSpPr>
-            <a:spLocks noGrp="1"/>
-          </p:cNvSpPr>
-          <p:nvPr>
-            <p:ph idx="1"/>
-          </p:nvPr>
-        </p:nvSpPr>
-        <p:spPr>
-          <a:xfrm>
-            <a:off x="838199" y="1825625"/>
-            <a:ext cx="4471219" cy="622607"/>
-          </a:xfrm>
-        </p:spPr>
-        <p:txBody>
-          <a:bodyPr>
-            <a:normAutofit/>
-          </a:bodyPr>
-          <a:lstStyle/>
-          <a:p>
-            <a:pPr algn="l"/>
-            <a:r>
-              <a:rPr lang="en-US" b="1" i="0" dirty="0">
-                <a:solidFill>
-                  <a:srgbClr val="1F1F1F"/>
-                </a:solidFill>
-                <a:effectLst/>
-                <a:highlight>
-                  <a:srgbClr val="FFFFFF"/>
-                </a:highlight>
-                <a:latin typeface="var(--cds-font-family-source-sans-pro)"/>
-              </a:rPr>
-              <a:t>Child Selectors</a:t>
-            </a:r>
-          </a:p>
-          <a:p>
-            <a:pPr marL="0" indent="0">
-              <a:buNone/>
-            </a:pPr>
-            <a:endParaRPr lang="en-US" dirty="0"/>
-          </a:p>
-        </p:txBody>
-      </p:sp>
-      <p:pic>
-        <p:nvPicPr>
-          <p:cNvPr id="5" name="Picture 4" descr="A screenshot of a computer program&#10;&#10;Description automatically generated">
-            <a:extLst>
-              <a:ext uri="{FF2B5EF4-FFF2-40B4-BE49-F238E27FC236}">
-                <a16:creationId xmlns:a16="http://schemas.microsoft.com/office/drawing/2014/main" id="{D88D0703-16A2-8267-2D26-82D09B0C3398}"/>
-              </a:ext>
-            </a:extLst>
-          </p:cNvPr>
-          <p:cNvPicPr>
-            <a:picLocks noChangeAspect="1"/>
-          </p:cNvPicPr>
-          <p:nvPr/>
-        </p:nvPicPr>
-        <p:blipFill>
-          <a:blip r:embed="rId2">
-            <a:extLst>
-              <a:ext uri="{28A0092B-C50C-407E-A947-70E740481C1C}">
-                <a14:useLocalDpi xmlns:a14="http://schemas.microsoft.com/office/drawing/2010/main" val="0"/>
-              </a:ext>
-            </a:extLst>
-          </a:blip>
-          <a:stretch>
-            <a:fillRect/>
-          </a:stretch>
-        </p:blipFill>
-        <p:spPr>
-          <a:xfrm>
-            <a:off x="3866889" y="585955"/>
-            <a:ext cx="8135485" cy="4191585"/>
-          </a:xfrm>
-          <a:prstGeom prst="rect">
-            <a:avLst/>
-          </a:prstGeom>
-        </p:spPr>
-      </p:pic>
-      <p:sp>
-        <p:nvSpPr>
-          <p:cNvPr id="8" name="TextBox 7">
-            <a:extLst>
-              <a:ext uri="{FF2B5EF4-FFF2-40B4-BE49-F238E27FC236}">
-                <a16:creationId xmlns:a16="http://schemas.microsoft.com/office/drawing/2014/main" id="{F86646DB-E38B-D54A-508E-D79920F7C523}"/>
-              </a:ext>
-            </a:extLst>
-          </p:cNvPr>
-          <p:cNvSpPr txBox="1"/>
-          <p:nvPr/>
-        </p:nvSpPr>
-        <p:spPr>
-          <a:xfrm>
-            <a:off x="1710813" y="5250877"/>
-            <a:ext cx="6096000" cy="923330"/>
-          </a:xfrm>
-          <a:prstGeom prst="rect">
-            <a:avLst/>
-          </a:prstGeom>
-          <a:noFill/>
-        </p:spPr>
-        <p:txBody>
-          <a:bodyPr wrap="square">
-            <a:spAutoFit/>
-          </a:bodyPr>
-          <a:lstStyle/>
-          <a:p>
-            <a:r>
-              <a:rPr lang="en-US" b="1" i="0" dirty="0">
-                <a:solidFill>
-                  <a:srgbClr val="1F1F1F"/>
-                </a:solidFill>
-                <a:effectLst/>
-                <a:highlight>
-                  <a:srgbClr val="FFFF00"/>
-                </a:highlight>
-                <a:latin typeface="unset"/>
-              </a:rPr>
-              <a:t>Note </a:t>
-            </a:r>
-            <a:r>
-              <a:rPr lang="en-US" b="0" i="0" dirty="0">
-                <a:solidFill>
-                  <a:srgbClr val="1F1F1F"/>
-                </a:solidFill>
-                <a:effectLst/>
-                <a:highlight>
-                  <a:srgbClr val="FFFF00"/>
-                </a:highlight>
-                <a:latin typeface="Source Sans Pro" panose="020B0503030403020204" pitchFamily="34" charset="0"/>
-              </a:rPr>
-              <a:t>that this will not go beyond a single depth level. Therefore, the CSS rule will </a:t>
-            </a:r>
-            <a:r>
-              <a:rPr lang="en-US" b="1" i="0" dirty="0">
-                <a:solidFill>
-                  <a:srgbClr val="1F1F1F"/>
-                </a:solidFill>
-                <a:effectLst/>
-                <a:highlight>
-                  <a:srgbClr val="FFFF00"/>
-                </a:highlight>
-                <a:latin typeface="unset"/>
-              </a:rPr>
-              <a:t>not</a:t>
-            </a:r>
-            <a:r>
-              <a:rPr lang="en-US" b="0" i="0" dirty="0">
-                <a:solidFill>
-                  <a:srgbClr val="1F1F1F"/>
-                </a:solidFill>
-                <a:effectLst/>
-                <a:highlight>
-                  <a:srgbClr val="FFFF00"/>
-                </a:highlight>
-                <a:latin typeface="Source Sans Pro" panose="020B0503030403020204" pitchFamily="34" charset="0"/>
-              </a:rPr>
-              <a:t> be applied to the </a:t>
-            </a:r>
-            <a:r>
-              <a:rPr lang="en-US" b="1" i="0" dirty="0">
-                <a:solidFill>
-                  <a:srgbClr val="1F1F1F"/>
-                </a:solidFill>
-                <a:effectLst/>
-                <a:highlight>
-                  <a:srgbClr val="FFFF00"/>
-                </a:highlight>
-                <a:latin typeface="Courier"/>
-              </a:rPr>
-              <a:t>h1</a:t>
-            </a:r>
-            <a:r>
-              <a:rPr lang="en-US" b="0" i="0" dirty="0">
-                <a:solidFill>
-                  <a:srgbClr val="1F1F1F"/>
-                </a:solidFill>
-                <a:effectLst/>
-                <a:highlight>
-                  <a:srgbClr val="FFFF00"/>
-                </a:highlight>
-                <a:latin typeface="Source Sans Pro" panose="020B0503030403020204" pitchFamily="34" charset="0"/>
-              </a:rPr>
-              <a:t> element containing the text </a:t>
-            </a:r>
-            <a:r>
-              <a:rPr lang="en-US" b="1" i="0" dirty="0">
-                <a:solidFill>
-                  <a:srgbClr val="1F1F1F"/>
-                </a:solidFill>
-                <a:effectLst/>
-                <a:highlight>
-                  <a:srgbClr val="FFFF00"/>
-                </a:highlight>
-                <a:latin typeface="Courier"/>
-              </a:rPr>
-              <a:t>Today's Weather</a:t>
-            </a:r>
-            <a:r>
-              <a:rPr lang="en-US" b="0" i="0" dirty="0">
-                <a:solidFill>
-                  <a:srgbClr val="1F1F1F"/>
-                </a:solidFill>
-                <a:effectLst/>
-                <a:highlight>
-                  <a:srgbClr val="FFFF00"/>
-                </a:highlight>
-                <a:latin typeface="Source Sans Pro" panose="020B0503030403020204" pitchFamily="34" charset="0"/>
-              </a:rPr>
-              <a:t>.</a:t>
-            </a:r>
-            <a:endParaRPr lang="en-US" dirty="0">
-              <a:highlight>
-                <a:srgbClr val="FFFF00"/>
-              </a:highlight>
-            </a:endParaRPr>
-          </a:p>
-        </p:txBody>
-      </p:sp>
-    </p:spTree>
-    <p:extLst>
-      <p:ext uri="{BB962C8B-B14F-4D97-AF65-F5344CB8AC3E}">
-        <p14:creationId xmlns:p14="http://schemas.microsoft.com/office/powerpoint/2010/main" val="3079207342"/>
-      </p:ext>
-    </p:extLst>
-  </p:cSld>
-  <p:clrMapOvr>
-    <a:masterClrMapping/>
-  </p:clrMapOvr>
-</p:sld>
-</file>
-
-<file path=ppt/slides/slide21.xml><?xml version="1.0" encoding="utf-8"?>
-<p:sld xmlns:a="http://schemas.openxmlformats.org/drawingml/2006/main" xmlns:r="http://schemas.openxmlformats.org/officeDocument/2006/relationships" xmlns:p="http://schemas.openxmlformats.org/presentationml/2006/main">
-  <p:cSld>
-    <p:spTree>
-      <p:nvGrpSpPr>
-        <p:cNvPr id="1" name=""/>
-        <p:cNvGrpSpPr/>
-        <p:nvPr/>
-      </p:nvGrpSpPr>
-      <p:grpSpPr>
-        <a:xfrm>
-          <a:off x="0" y="0"/>
-          <a:ext cx="0" cy="0"/>
-          <a:chOff x="0" y="0"/>
-          <a:chExt cx="0" cy="0"/>
-        </a:xfrm>
-      </p:grpSpPr>
-      <p:sp>
-        <p:nvSpPr>
-          <p:cNvPr id="2" name="Title 1">
-            <a:extLst>
-              <a:ext uri="{FF2B5EF4-FFF2-40B4-BE49-F238E27FC236}">
-                <a16:creationId xmlns:a16="http://schemas.microsoft.com/office/drawing/2014/main" id="{FD851852-E351-B904-BC01-83AE90AD8D74}"/>
-              </a:ext>
-            </a:extLst>
-          </p:cNvPr>
-          <p:cNvSpPr>
-            <a:spLocks noGrp="1"/>
-          </p:cNvSpPr>
-          <p:nvPr>
-            <p:ph type="title"/>
-          </p:nvPr>
-        </p:nvSpPr>
-        <p:spPr/>
-        <p:txBody>
-          <a:bodyPr/>
-          <a:lstStyle/>
-          <a:p>
-            <a:r>
-              <a:rPr lang="en-US" b="1" i="0" dirty="0">
-                <a:solidFill>
-                  <a:srgbClr val="1F1F1F"/>
-                </a:solidFill>
-                <a:effectLst/>
-                <a:highlight>
-                  <a:srgbClr val="FFFFFF"/>
-                </a:highlight>
-              </a:rPr>
-              <a:t>Text and color in CSS</a:t>
-            </a:r>
-            <a:endParaRPr lang="en-US" dirty="0"/>
-          </a:p>
-        </p:txBody>
-      </p:sp>
-      <p:sp>
-        <p:nvSpPr>
-          <p:cNvPr id="3" name="Content Placeholder 2">
-            <a:extLst>
-              <a:ext uri="{FF2B5EF4-FFF2-40B4-BE49-F238E27FC236}">
-                <a16:creationId xmlns:a16="http://schemas.microsoft.com/office/drawing/2014/main" id="{BD2D3043-A6FC-A0C5-91EC-955FE99E7C18}"/>
-              </a:ext>
-            </a:extLst>
-          </p:cNvPr>
-          <p:cNvSpPr>
-            <a:spLocks noGrp="1"/>
-          </p:cNvSpPr>
-          <p:nvPr>
-            <p:ph idx="1"/>
-          </p:nvPr>
-        </p:nvSpPr>
-        <p:spPr>
-          <a:xfrm>
-            <a:off x="366251" y="1815793"/>
-            <a:ext cx="5887065" cy="2589059"/>
-          </a:xfrm>
-        </p:spPr>
-        <p:txBody>
-          <a:bodyPr/>
-          <a:lstStyle/>
-          <a:p>
-            <a:r>
-              <a:rPr lang="en-US" b="0" dirty="0">
-                <a:solidFill>
-                  <a:srgbClr val="FF0000"/>
-                </a:solidFill>
-                <a:effectLst/>
-                <a:highlight>
-                  <a:srgbClr val="FFFFFE"/>
-                </a:highlight>
-                <a:latin typeface="Consolas" panose="020B0609020204030204" pitchFamily="49" charset="0"/>
-              </a:rPr>
-              <a:t>color:</a:t>
-            </a:r>
-            <a:r>
-              <a:rPr lang="en-US" b="0" dirty="0">
-                <a:solidFill>
-                  <a:srgbClr val="000000"/>
-                </a:solidFill>
-                <a:effectLst/>
-                <a:highlight>
-                  <a:srgbClr val="FFFFFE"/>
-                </a:highlight>
-                <a:latin typeface="Consolas" panose="020B0609020204030204" pitchFamily="49" charset="0"/>
-              </a:rPr>
-              <a:t> </a:t>
-            </a:r>
-            <a:r>
-              <a:rPr lang="en-US" b="0" dirty="0" err="1">
-                <a:solidFill>
-                  <a:srgbClr val="0451A5"/>
-                </a:solidFill>
-                <a:effectLst/>
-                <a:highlight>
-                  <a:srgbClr val="FFFFFE"/>
-                </a:highlight>
-                <a:latin typeface="Consolas" panose="020B0609020204030204" pitchFamily="49" charset="0"/>
-              </a:rPr>
-              <a:t>rgb</a:t>
-            </a:r>
-            <a:r>
-              <a:rPr lang="en-US" b="0" dirty="0">
-                <a:solidFill>
-                  <a:srgbClr val="0451A5"/>
-                </a:solidFill>
-                <a:effectLst/>
-                <a:highlight>
-                  <a:srgbClr val="FFFFFE"/>
-                </a:highlight>
-                <a:latin typeface="Consolas" panose="020B0609020204030204" pitchFamily="49" charset="0"/>
-              </a:rPr>
-              <a:t>(</a:t>
-            </a:r>
-            <a:r>
-              <a:rPr lang="en-US" b="0" dirty="0">
-                <a:solidFill>
-                  <a:srgbClr val="098658"/>
-                </a:solidFill>
-                <a:effectLst/>
-                <a:highlight>
-                  <a:srgbClr val="FFFFFE"/>
-                </a:highlight>
-                <a:latin typeface="Consolas" panose="020B0609020204030204" pitchFamily="49" charset="0"/>
-              </a:rPr>
-              <a:t>255</a:t>
-            </a:r>
-            <a:r>
-              <a:rPr lang="en-US" b="0" dirty="0">
-                <a:solidFill>
-                  <a:srgbClr val="000000"/>
-                </a:solidFill>
-                <a:effectLst/>
-                <a:highlight>
-                  <a:srgbClr val="FFFFFE"/>
-                </a:highlight>
-                <a:latin typeface="Consolas" panose="020B0609020204030204" pitchFamily="49" charset="0"/>
-              </a:rPr>
-              <a:t>, </a:t>
-            </a:r>
-            <a:r>
-              <a:rPr lang="en-US" b="0" dirty="0">
-                <a:solidFill>
-                  <a:srgbClr val="098658"/>
-                </a:solidFill>
-                <a:effectLst/>
-                <a:highlight>
-                  <a:srgbClr val="FFFFFE"/>
-                </a:highlight>
-                <a:latin typeface="Consolas" panose="020B0609020204030204" pitchFamily="49" charset="0"/>
-              </a:rPr>
-              <a:t>0</a:t>
-            </a:r>
-            <a:r>
-              <a:rPr lang="en-US" b="0" dirty="0">
-                <a:solidFill>
-                  <a:srgbClr val="000000"/>
-                </a:solidFill>
-                <a:effectLst/>
-                <a:highlight>
-                  <a:srgbClr val="FFFFFE"/>
-                </a:highlight>
-                <a:latin typeface="Consolas" panose="020B0609020204030204" pitchFamily="49" charset="0"/>
-              </a:rPr>
-              <a:t>, </a:t>
-            </a:r>
-            <a:r>
-              <a:rPr lang="en-US" b="0" dirty="0">
-                <a:solidFill>
-                  <a:srgbClr val="098658"/>
-                </a:solidFill>
-                <a:effectLst/>
-                <a:highlight>
-                  <a:srgbClr val="FFFFFE"/>
-                </a:highlight>
-                <a:latin typeface="Consolas" panose="020B0609020204030204" pitchFamily="49" charset="0"/>
-              </a:rPr>
-              <a:t>0</a:t>
-            </a:r>
-            <a:r>
-              <a:rPr lang="en-US" b="0" dirty="0">
-                <a:solidFill>
-                  <a:srgbClr val="0451A5"/>
-                </a:solidFill>
-                <a:effectLst/>
-                <a:highlight>
-                  <a:srgbClr val="FFFFFE"/>
-                </a:highlight>
-                <a:latin typeface="Consolas" panose="020B0609020204030204" pitchFamily="49" charset="0"/>
-              </a:rPr>
-              <a:t>)</a:t>
-            </a:r>
-            <a:endParaRPr lang="en-US" dirty="0">
-              <a:solidFill>
-                <a:srgbClr val="000000"/>
-              </a:solidFill>
-              <a:highlight>
-                <a:srgbClr val="FFFFFE"/>
-              </a:highlight>
-              <a:latin typeface="Consolas" panose="020B0609020204030204" pitchFamily="49" charset="0"/>
-            </a:endParaRPr>
-          </a:p>
-          <a:p>
-            <a:r>
-              <a:rPr lang="en-US" b="0" dirty="0">
-                <a:solidFill>
-                  <a:srgbClr val="FF0000"/>
-                </a:solidFill>
-                <a:effectLst/>
-                <a:highlight>
-                  <a:srgbClr val="FFFFFE"/>
-                </a:highlight>
-                <a:latin typeface="Consolas" panose="020B0609020204030204" pitchFamily="49" charset="0"/>
-              </a:rPr>
-              <a:t>color:</a:t>
-            </a:r>
-            <a:r>
-              <a:rPr lang="en-US" b="0" dirty="0">
-                <a:solidFill>
-                  <a:srgbClr val="000000"/>
-                </a:solidFill>
-                <a:effectLst/>
-                <a:highlight>
-                  <a:srgbClr val="FFFFFE"/>
-                </a:highlight>
-                <a:latin typeface="Consolas" panose="020B0609020204030204" pitchFamily="49" charset="0"/>
-              </a:rPr>
-              <a:t> </a:t>
-            </a:r>
-            <a:r>
-              <a:rPr lang="en-US" b="0" dirty="0" err="1">
-                <a:solidFill>
-                  <a:srgbClr val="0451A5"/>
-                </a:solidFill>
-                <a:effectLst/>
-                <a:highlight>
-                  <a:srgbClr val="FFFFFE"/>
-                </a:highlight>
-                <a:latin typeface="Consolas" panose="020B0609020204030204" pitchFamily="49" charset="0"/>
-              </a:rPr>
-              <a:t>rgba</a:t>
-            </a:r>
-            <a:r>
-              <a:rPr lang="en-US" b="0" dirty="0">
-                <a:solidFill>
-                  <a:srgbClr val="0451A5"/>
-                </a:solidFill>
-                <a:effectLst/>
-                <a:highlight>
-                  <a:srgbClr val="FFFFFE"/>
-                </a:highlight>
-                <a:latin typeface="Consolas" panose="020B0609020204030204" pitchFamily="49" charset="0"/>
-              </a:rPr>
-              <a:t>(</a:t>
-            </a:r>
-            <a:r>
-              <a:rPr lang="en-US" b="0" dirty="0">
-                <a:solidFill>
-                  <a:srgbClr val="098658"/>
-                </a:solidFill>
-                <a:effectLst/>
-                <a:highlight>
-                  <a:srgbClr val="FFFFFE"/>
-                </a:highlight>
-                <a:latin typeface="Consolas" panose="020B0609020204030204" pitchFamily="49" charset="0"/>
-              </a:rPr>
-              <a:t>255</a:t>
-            </a:r>
-            <a:r>
-              <a:rPr lang="en-US" b="0" dirty="0">
-                <a:solidFill>
-                  <a:srgbClr val="000000"/>
-                </a:solidFill>
-                <a:effectLst/>
-                <a:highlight>
-                  <a:srgbClr val="FFFFFE"/>
-                </a:highlight>
-                <a:latin typeface="Consolas" panose="020B0609020204030204" pitchFamily="49" charset="0"/>
-              </a:rPr>
-              <a:t>, </a:t>
-            </a:r>
-            <a:r>
-              <a:rPr lang="en-US" b="0" dirty="0">
-                <a:solidFill>
-                  <a:srgbClr val="098658"/>
-                </a:solidFill>
-                <a:effectLst/>
-                <a:highlight>
-                  <a:srgbClr val="FFFFFE"/>
-                </a:highlight>
-                <a:latin typeface="Consolas" panose="020B0609020204030204" pitchFamily="49" charset="0"/>
-              </a:rPr>
-              <a:t>0</a:t>
-            </a:r>
-            <a:r>
-              <a:rPr lang="en-US" b="0" dirty="0">
-                <a:solidFill>
-                  <a:srgbClr val="000000"/>
-                </a:solidFill>
-                <a:effectLst/>
-                <a:highlight>
-                  <a:srgbClr val="FFFFFE"/>
-                </a:highlight>
-                <a:latin typeface="Consolas" panose="020B0609020204030204" pitchFamily="49" charset="0"/>
-              </a:rPr>
-              <a:t>, </a:t>
-            </a:r>
-            <a:r>
-              <a:rPr lang="en-US" b="0" dirty="0">
-                <a:solidFill>
-                  <a:srgbClr val="098658"/>
-                </a:solidFill>
-                <a:effectLst/>
-                <a:highlight>
-                  <a:srgbClr val="FFFFFE"/>
-                </a:highlight>
-                <a:latin typeface="Consolas" panose="020B0609020204030204" pitchFamily="49" charset="0"/>
-              </a:rPr>
-              <a:t>0</a:t>
-            </a:r>
-            <a:r>
-              <a:rPr lang="en-US" b="0" dirty="0">
-                <a:solidFill>
-                  <a:srgbClr val="000000"/>
-                </a:solidFill>
-                <a:effectLst/>
-                <a:highlight>
-                  <a:srgbClr val="FFFFFE"/>
-                </a:highlight>
-                <a:latin typeface="Consolas" panose="020B0609020204030204" pitchFamily="49" charset="0"/>
-              </a:rPr>
-              <a:t>, </a:t>
-            </a:r>
-            <a:r>
-              <a:rPr lang="en-US" b="0" dirty="0">
-                <a:solidFill>
-                  <a:srgbClr val="098658"/>
-                </a:solidFill>
-                <a:effectLst/>
-                <a:highlight>
-                  <a:srgbClr val="FFFFFE"/>
-                </a:highlight>
-                <a:latin typeface="Consolas" panose="020B0609020204030204" pitchFamily="49" charset="0"/>
-              </a:rPr>
-              <a:t>0.8</a:t>
-            </a:r>
-            <a:r>
-              <a:rPr lang="en-US" b="0" dirty="0">
-                <a:solidFill>
-                  <a:srgbClr val="0451A5"/>
-                </a:solidFill>
-                <a:effectLst/>
-                <a:highlight>
-                  <a:srgbClr val="FFFFFE"/>
-                </a:highlight>
-                <a:latin typeface="Consolas" panose="020B0609020204030204" pitchFamily="49" charset="0"/>
-              </a:rPr>
-              <a:t>)</a:t>
-            </a:r>
-            <a:r>
-              <a:rPr lang="en-US" b="0" dirty="0">
-                <a:solidFill>
-                  <a:srgbClr val="000000"/>
-                </a:solidFill>
-                <a:effectLst/>
-                <a:highlight>
-                  <a:srgbClr val="FFFFFE"/>
-                </a:highlight>
-                <a:latin typeface="Consolas" panose="020B0609020204030204" pitchFamily="49" charset="0"/>
-              </a:rPr>
-              <a:t>;</a:t>
-            </a:r>
-          </a:p>
-          <a:p>
-            <a:r>
-              <a:rPr lang="en-US" b="0" dirty="0">
-                <a:solidFill>
-                  <a:srgbClr val="FF0000"/>
-                </a:solidFill>
-                <a:effectLst/>
-                <a:highlight>
-                  <a:srgbClr val="FFFFFE"/>
-                </a:highlight>
-                <a:latin typeface="Consolas" panose="020B0609020204030204" pitchFamily="49" charset="0"/>
-              </a:rPr>
-              <a:t>color:</a:t>
-            </a:r>
-            <a:r>
-              <a:rPr lang="en-US" b="0" dirty="0">
-                <a:solidFill>
-                  <a:srgbClr val="000000"/>
-                </a:solidFill>
-                <a:effectLst/>
-                <a:highlight>
-                  <a:srgbClr val="FFFFFE"/>
-                </a:highlight>
-                <a:latin typeface="Consolas" panose="020B0609020204030204" pitchFamily="49" charset="0"/>
-              </a:rPr>
-              <a:t> </a:t>
-            </a:r>
-            <a:r>
-              <a:rPr lang="en-US" b="0" dirty="0" err="1">
-                <a:solidFill>
-                  <a:srgbClr val="0451A5"/>
-                </a:solidFill>
-                <a:effectLst/>
-                <a:highlight>
-                  <a:srgbClr val="FFFFFE"/>
-                </a:highlight>
-                <a:latin typeface="Consolas" panose="020B0609020204030204" pitchFamily="49" charset="0"/>
-              </a:rPr>
-              <a:t>hsl</a:t>
-            </a:r>
-            <a:r>
-              <a:rPr lang="en-US" b="0" dirty="0">
-                <a:solidFill>
-                  <a:srgbClr val="0451A5"/>
-                </a:solidFill>
-                <a:effectLst/>
-                <a:highlight>
-                  <a:srgbClr val="FFFFFE"/>
-                </a:highlight>
-                <a:latin typeface="Consolas" panose="020B0609020204030204" pitchFamily="49" charset="0"/>
-              </a:rPr>
-              <a:t>(</a:t>
-            </a:r>
-            <a:r>
-              <a:rPr lang="en-US" b="0" dirty="0">
-                <a:solidFill>
-                  <a:srgbClr val="098658"/>
-                </a:solidFill>
-                <a:effectLst/>
-                <a:highlight>
-                  <a:srgbClr val="FFFFFE"/>
-                </a:highlight>
-                <a:latin typeface="Consolas" panose="020B0609020204030204" pitchFamily="49" charset="0"/>
-              </a:rPr>
-              <a:t>0</a:t>
-            </a:r>
-            <a:r>
-              <a:rPr lang="en-US" b="0" dirty="0">
-                <a:solidFill>
-                  <a:srgbClr val="000000"/>
-                </a:solidFill>
-                <a:effectLst/>
-                <a:highlight>
-                  <a:srgbClr val="FFFFFE"/>
-                </a:highlight>
-                <a:latin typeface="Consolas" panose="020B0609020204030204" pitchFamily="49" charset="0"/>
-              </a:rPr>
-              <a:t>, </a:t>
-            </a:r>
-            <a:r>
-              <a:rPr lang="en-US" b="0" dirty="0">
-                <a:solidFill>
-                  <a:srgbClr val="098658"/>
-                </a:solidFill>
-                <a:effectLst/>
-                <a:highlight>
-                  <a:srgbClr val="FFFFFE"/>
-                </a:highlight>
-                <a:latin typeface="Consolas" panose="020B0609020204030204" pitchFamily="49" charset="0"/>
-              </a:rPr>
-              <a:t>100%</a:t>
-            </a:r>
-            <a:r>
-              <a:rPr lang="en-US" b="0" dirty="0">
-                <a:solidFill>
-                  <a:srgbClr val="000000"/>
-                </a:solidFill>
-                <a:effectLst/>
-                <a:highlight>
-                  <a:srgbClr val="FFFFFE"/>
-                </a:highlight>
-                <a:latin typeface="Consolas" panose="020B0609020204030204" pitchFamily="49" charset="0"/>
-              </a:rPr>
-              <a:t>, </a:t>
-            </a:r>
-            <a:r>
-              <a:rPr lang="en-US" b="0" dirty="0">
-                <a:solidFill>
-                  <a:srgbClr val="098658"/>
-                </a:solidFill>
-                <a:effectLst/>
-                <a:highlight>
-                  <a:srgbClr val="FFFFFE"/>
-                </a:highlight>
-                <a:latin typeface="Consolas" panose="020B0609020204030204" pitchFamily="49" charset="0"/>
-              </a:rPr>
-              <a:t>50%</a:t>
-            </a:r>
-            <a:r>
-              <a:rPr lang="en-US" b="0" dirty="0">
-                <a:solidFill>
-                  <a:srgbClr val="0451A5"/>
-                </a:solidFill>
-                <a:effectLst/>
-                <a:highlight>
-                  <a:srgbClr val="FFFFFE"/>
-                </a:highlight>
-                <a:latin typeface="Consolas" panose="020B0609020204030204" pitchFamily="49" charset="0"/>
-              </a:rPr>
-              <a:t>)</a:t>
-            </a:r>
-            <a:endParaRPr lang="en-US" b="0" dirty="0">
-              <a:solidFill>
-                <a:srgbClr val="000000"/>
-              </a:solidFill>
-              <a:effectLst/>
-              <a:highlight>
-                <a:srgbClr val="FFFFFE"/>
-              </a:highlight>
-              <a:latin typeface="Consolas" panose="020B0609020204030204" pitchFamily="49" charset="0"/>
-            </a:endParaRPr>
-          </a:p>
-          <a:p>
-            <a:r>
-              <a:rPr lang="en-US" b="1" i="0" dirty="0">
-                <a:solidFill>
-                  <a:srgbClr val="1F1F1F"/>
-                </a:solidFill>
-                <a:effectLst/>
-                <a:highlight>
-                  <a:srgbClr val="FFFFFF"/>
-                </a:highlight>
-                <a:latin typeface="Source Sans Pro" panose="020B0503030403020204" pitchFamily="34" charset="0"/>
-              </a:rPr>
-              <a:t>Hex value</a:t>
-            </a:r>
-            <a:endParaRPr lang="en-US" i="0" dirty="0">
-              <a:solidFill>
-                <a:srgbClr val="000000"/>
-              </a:solidFill>
-              <a:highlight>
-                <a:srgbClr val="FFFFFE"/>
-              </a:highlight>
-              <a:latin typeface="Consolas" panose="020B0609020204030204" pitchFamily="49" charset="0"/>
-            </a:endParaRPr>
-          </a:p>
-          <a:p>
-            <a:r>
-              <a:rPr lang="en-US" b="1" i="0" dirty="0">
-                <a:solidFill>
-                  <a:srgbClr val="1F1F1F"/>
-                </a:solidFill>
-                <a:effectLst/>
-                <a:highlight>
-                  <a:srgbClr val="FFFFFF"/>
-                </a:highlight>
-                <a:latin typeface="Source Sans Pro" panose="020B0503030403020204" pitchFamily="34" charset="0"/>
-              </a:rPr>
-              <a:t>Predefined color names</a:t>
-            </a:r>
-            <a:endParaRPr lang="en-US" b="0" dirty="0">
-              <a:solidFill>
-                <a:srgbClr val="000000"/>
-              </a:solidFill>
-              <a:effectLst/>
-              <a:highlight>
-                <a:srgbClr val="FFFFFE"/>
-              </a:highlight>
-              <a:latin typeface="Consolas" panose="020B0609020204030204" pitchFamily="49" charset="0"/>
-            </a:endParaRPr>
-          </a:p>
-          <a:p>
-            <a:endParaRPr lang="en-US" dirty="0"/>
-          </a:p>
-        </p:txBody>
-      </p:sp>
-      <p:sp>
-        <p:nvSpPr>
-          <p:cNvPr id="4" name="TextBox 3">
-            <a:extLst>
-              <a:ext uri="{FF2B5EF4-FFF2-40B4-BE49-F238E27FC236}">
-                <a16:creationId xmlns:a16="http://schemas.microsoft.com/office/drawing/2014/main" id="{6783F069-2C98-8115-8DAC-5FC16D228CB3}"/>
-              </a:ext>
-            </a:extLst>
-          </p:cNvPr>
-          <p:cNvSpPr txBox="1"/>
-          <p:nvPr/>
-        </p:nvSpPr>
-        <p:spPr>
-          <a:xfrm>
-            <a:off x="6567948" y="1815793"/>
-            <a:ext cx="5624052" cy="3139321"/>
-          </a:xfrm>
-          <a:prstGeom prst="rect">
-            <a:avLst/>
-          </a:prstGeom>
-          <a:noFill/>
-        </p:spPr>
-        <p:txBody>
-          <a:bodyPr wrap="square" rtlCol="0">
-            <a:spAutoFit/>
-          </a:bodyPr>
-          <a:lstStyle/>
-          <a:p>
-            <a:r>
-              <a:rPr lang="en-US" b="0" dirty="0">
-                <a:solidFill>
-                  <a:srgbClr val="FF0000"/>
-                </a:solidFill>
-                <a:effectLst/>
-                <a:highlight>
-                  <a:srgbClr val="FFFFFE"/>
-                </a:highlight>
-                <a:latin typeface="Consolas" panose="020B0609020204030204" pitchFamily="49" charset="0"/>
-              </a:rPr>
-              <a:t>font-family:</a:t>
-            </a:r>
-            <a:r>
-              <a:rPr lang="en-US" b="0" dirty="0">
-                <a:solidFill>
-                  <a:srgbClr val="000000"/>
-                </a:solidFill>
-                <a:effectLst/>
-                <a:highlight>
-                  <a:srgbClr val="FFFFFE"/>
-                </a:highlight>
-                <a:latin typeface="Consolas" panose="020B0609020204030204" pitchFamily="49" charset="0"/>
-              </a:rPr>
-              <a:t> </a:t>
-            </a:r>
-            <a:r>
-              <a:rPr lang="en-US" b="0" dirty="0">
-                <a:solidFill>
-                  <a:srgbClr val="A31515"/>
-                </a:solidFill>
-                <a:effectLst/>
-                <a:highlight>
-                  <a:srgbClr val="FFFFFE"/>
-                </a:highlight>
-                <a:latin typeface="Consolas" panose="020B0609020204030204" pitchFamily="49" charset="0"/>
-              </a:rPr>
-              <a:t>"Courier New"</a:t>
-            </a:r>
-            <a:r>
-              <a:rPr lang="en-US" b="0" dirty="0">
-                <a:solidFill>
-                  <a:srgbClr val="000000"/>
-                </a:solidFill>
-                <a:effectLst/>
-                <a:highlight>
-                  <a:srgbClr val="FFFFFE"/>
-                </a:highlight>
-                <a:latin typeface="Consolas" panose="020B0609020204030204" pitchFamily="49" charset="0"/>
-              </a:rPr>
-              <a:t>, </a:t>
-            </a:r>
-            <a:r>
-              <a:rPr lang="en-US" b="0" dirty="0">
-                <a:solidFill>
-                  <a:srgbClr val="0451A5"/>
-                </a:solidFill>
-                <a:effectLst/>
-                <a:highlight>
-                  <a:srgbClr val="FFFFFE"/>
-                </a:highlight>
-                <a:latin typeface="Consolas" panose="020B0609020204030204" pitchFamily="49" charset="0"/>
-              </a:rPr>
-              <a:t>monospace</a:t>
-            </a:r>
-            <a:r>
-              <a:rPr lang="en-US" b="0" dirty="0">
-                <a:solidFill>
-                  <a:srgbClr val="000000"/>
-                </a:solidFill>
-                <a:effectLst/>
-                <a:highlight>
-                  <a:srgbClr val="FFFFFE"/>
-                </a:highlight>
-                <a:latin typeface="Consolas" panose="020B0609020204030204" pitchFamily="49" charset="0"/>
-              </a:rPr>
-              <a:t>;</a:t>
-            </a:r>
-          </a:p>
-          <a:p>
-            <a:r>
-              <a:rPr lang="en-US" b="0" dirty="0">
-                <a:solidFill>
-                  <a:srgbClr val="FF0000"/>
-                </a:solidFill>
-                <a:effectLst/>
-                <a:highlight>
-                  <a:srgbClr val="FFFFFE"/>
-                </a:highlight>
-                <a:latin typeface="Consolas" panose="020B0609020204030204" pitchFamily="49" charset="0"/>
-              </a:rPr>
-              <a:t>font-size:</a:t>
-            </a:r>
-            <a:r>
-              <a:rPr lang="en-US" b="0" dirty="0">
-                <a:solidFill>
-                  <a:srgbClr val="000000"/>
-                </a:solidFill>
-                <a:effectLst/>
-                <a:highlight>
-                  <a:srgbClr val="FFFFFE"/>
-                </a:highlight>
-                <a:latin typeface="Consolas" panose="020B0609020204030204" pitchFamily="49" charset="0"/>
-              </a:rPr>
-              <a:t> </a:t>
-            </a:r>
-            <a:r>
-              <a:rPr lang="en-US" b="0" dirty="0">
-                <a:solidFill>
-                  <a:srgbClr val="098658"/>
-                </a:solidFill>
-                <a:effectLst/>
-                <a:highlight>
-                  <a:srgbClr val="FFFFFE"/>
-                </a:highlight>
-                <a:latin typeface="Consolas" panose="020B0609020204030204" pitchFamily="49" charset="0"/>
-              </a:rPr>
-              <a:t>12px</a:t>
-            </a:r>
-            <a:r>
-              <a:rPr lang="en-US" b="0" dirty="0">
-                <a:solidFill>
-                  <a:srgbClr val="000000"/>
-                </a:solidFill>
-                <a:effectLst/>
-                <a:highlight>
-                  <a:srgbClr val="FFFFFE"/>
-                </a:highlight>
-                <a:latin typeface="Consolas" panose="020B0609020204030204" pitchFamily="49" charset="0"/>
-              </a:rPr>
-              <a:t>;</a:t>
-            </a:r>
-          </a:p>
-          <a:p>
-            <a:r>
-              <a:rPr lang="en-US" b="0" dirty="0">
-                <a:solidFill>
-                  <a:srgbClr val="FF0000"/>
-                </a:solidFill>
-                <a:effectLst/>
-                <a:highlight>
-                  <a:srgbClr val="FFFFFE"/>
-                </a:highlight>
-                <a:latin typeface="Consolas" panose="020B0609020204030204" pitchFamily="49" charset="0"/>
-              </a:rPr>
-              <a:t>text-transform:</a:t>
-            </a:r>
-            <a:r>
-              <a:rPr lang="en-US" b="0" dirty="0">
-                <a:solidFill>
-                  <a:srgbClr val="000000"/>
-                </a:solidFill>
-                <a:effectLst/>
-                <a:highlight>
-                  <a:srgbClr val="FFFFFE"/>
-                </a:highlight>
-                <a:latin typeface="Consolas" panose="020B0609020204030204" pitchFamily="49" charset="0"/>
-              </a:rPr>
-              <a:t> </a:t>
-            </a:r>
-            <a:r>
-              <a:rPr lang="en-US" b="0" dirty="0">
-                <a:solidFill>
-                  <a:srgbClr val="0451A5"/>
-                </a:solidFill>
-                <a:effectLst/>
-                <a:highlight>
-                  <a:srgbClr val="FFFFFE"/>
-                </a:highlight>
-                <a:latin typeface="Consolas" panose="020B0609020204030204" pitchFamily="49" charset="0"/>
-              </a:rPr>
-              <a:t>uppercase</a:t>
-            </a:r>
-            <a:endParaRPr lang="en-US" b="0" dirty="0">
-              <a:solidFill>
-                <a:srgbClr val="000000"/>
-              </a:solidFill>
-              <a:effectLst/>
-              <a:highlight>
-                <a:srgbClr val="FFFFFE"/>
-              </a:highlight>
-              <a:latin typeface="Consolas" panose="020B0609020204030204" pitchFamily="49" charset="0"/>
-            </a:endParaRPr>
-          </a:p>
-          <a:p>
-            <a:r>
-              <a:rPr lang="en-US" dirty="0">
-                <a:solidFill>
-                  <a:srgbClr val="FF0000"/>
-                </a:solidFill>
-                <a:highlight>
-                  <a:srgbClr val="FFFFFE"/>
-                </a:highlight>
-                <a:latin typeface="Consolas" panose="020B0609020204030204" pitchFamily="49" charset="0"/>
-              </a:rPr>
-              <a:t>t</a:t>
-            </a:r>
-            <a:r>
-              <a:rPr lang="en-US" b="0" dirty="0">
-                <a:solidFill>
-                  <a:srgbClr val="FF0000"/>
-                </a:solidFill>
-                <a:effectLst/>
-                <a:highlight>
-                  <a:srgbClr val="FFFFFE"/>
-                </a:highlight>
-                <a:latin typeface="Consolas" panose="020B0609020204030204" pitchFamily="49" charset="0"/>
-              </a:rPr>
-              <a:t>ext-decoration:</a:t>
-            </a:r>
-            <a:r>
-              <a:rPr lang="en-US" b="0" dirty="0">
-                <a:solidFill>
-                  <a:srgbClr val="000000"/>
-                </a:solidFill>
-                <a:effectLst/>
-                <a:highlight>
-                  <a:srgbClr val="FFFFFE"/>
-                </a:highlight>
-                <a:latin typeface="Consolas" panose="020B0609020204030204" pitchFamily="49" charset="0"/>
-              </a:rPr>
-              <a:t> </a:t>
-            </a:r>
-            <a:r>
-              <a:rPr lang="en-US" b="0" dirty="0">
-                <a:solidFill>
-                  <a:srgbClr val="0451A5"/>
-                </a:solidFill>
-                <a:effectLst/>
-                <a:highlight>
-                  <a:srgbClr val="FFFFFE"/>
-                </a:highlight>
-                <a:latin typeface="Consolas" panose="020B0609020204030204" pitchFamily="49" charset="0"/>
-              </a:rPr>
-              <a:t>underline</a:t>
-            </a:r>
-            <a:r>
-              <a:rPr lang="en-US" b="0" dirty="0">
-                <a:solidFill>
-                  <a:srgbClr val="000000"/>
-                </a:solidFill>
-                <a:effectLst/>
-                <a:highlight>
-                  <a:srgbClr val="FFFFFE"/>
-                </a:highlight>
-                <a:latin typeface="Consolas" panose="020B0609020204030204" pitchFamily="49" charset="0"/>
-              </a:rPr>
-              <a:t> </a:t>
-            </a:r>
-            <a:r>
-              <a:rPr lang="en-US" b="0" dirty="0">
-                <a:solidFill>
-                  <a:srgbClr val="0451A5"/>
-                </a:solidFill>
-                <a:effectLst/>
-                <a:highlight>
-                  <a:srgbClr val="FFFFFE"/>
-                </a:highlight>
-                <a:latin typeface="Consolas" panose="020B0609020204030204" pitchFamily="49" charset="0"/>
-              </a:rPr>
-              <a:t>red</a:t>
-            </a:r>
-            <a:r>
-              <a:rPr lang="en-US" b="0" dirty="0">
-                <a:solidFill>
-                  <a:srgbClr val="000000"/>
-                </a:solidFill>
-                <a:effectLst/>
-                <a:highlight>
-                  <a:srgbClr val="FFFFFE"/>
-                </a:highlight>
-                <a:latin typeface="Consolas" panose="020B0609020204030204" pitchFamily="49" charset="0"/>
-              </a:rPr>
-              <a:t> </a:t>
-            </a:r>
-            <a:r>
-              <a:rPr lang="en-US" b="0" dirty="0">
-                <a:solidFill>
-                  <a:srgbClr val="0451A5"/>
-                </a:solidFill>
-                <a:effectLst/>
-                <a:highlight>
-                  <a:srgbClr val="FFFFFE"/>
-                </a:highlight>
-                <a:latin typeface="Consolas" panose="020B0609020204030204" pitchFamily="49" charset="0"/>
-              </a:rPr>
-              <a:t>solid</a:t>
-            </a:r>
-            <a:r>
-              <a:rPr lang="en-US" b="0" dirty="0">
-                <a:solidFill>
-                  <a:srgbClr val="000000"/>
-                </a:solidFill>
-                <a:effectLst/>
-                <a:highlight>
-                  <a:srgbClr val="FFFFFE"/>
-                </a:highlight>
-                <a:latin typeface="Consolas" panose="020B0609020204030204" pitchFamily="49" charset="0"/>
-              </a:rPr>
-              <a:t> </a:t>
-            </a:r>
-            <a:r>
-              <a:rPr lang="en-US" b="0" dirty="0">
-                <a:solidFill>
-                  <a:srgbClr val="098658"/>
-                </a:solidFill>
-                <a:effectLst/>
-                <a:highlight>
-                  <a:srgbClr val="FFFFFE"/>
-                </a:highlight>
-                <a:latin typeface="Consolas" panose="020B0609020204030204" pitchFamily="49" charset="0"/>
-              </a:rPr>
-              <a:t>5px</a:t>
-            </a:r>
-            <a:endParaRPr lang="en-US" b="0" dirty="0">
-              <a:solidFill>
-                <a:srgbClr val="000000"/>
-              </a:solidFill>
-              <a:effectLst/>
-              <a:highlight>
-                <a:srgbClr val="FFFFFE"/>
-              </a:highlight>
-              <a:latin typeface="Consolas" panose="020B0609020204030204" pitchFamily="49" charset="0"/>
-            </a:endParaRPr>
-          </a:p>
-          <a:p>
-            <a:endParaRPr lang="en-US" b="0" dirty="0">
-              <a:solidFill>
-                <a:srgbClr val="FF0000"/>
-              </a:solidFill>
-              <a:effectLst/>
-              <a:highlight>
-                <a:srgbClr val="FFFFFE"/>
-              </a:highlight>
-              <a:latin typeface="Consolas" panose="020B0609020204030204" pitchFamily="49" charset="0"/>
-            </a:endParaRPr>
-          </a:p>
-          <a:p>
-            <a:r>
-              <a:rPr lang="en-US" b="0" dirty="0">
-                <a:solidFill>
-                  <a:srgbClr val="FF0000"/>
-                </a:solidFill>
-                <a:effectLst/>
-                <a:highlight>
-                  <a:srgbClr val="FFFFFE"/>
-                </a:highlight>
-                <a:latin typeface="Consolas" panose="020B0609020204030204" pitchFamily="49" charset="0"/>
-              </a:rPr>
-              <a:t>text-decoration-line:</a:t>
-            </a:r>
-            <a:r>
-              <a:rPr lang="en-US" b="0" dirty="0">
-                <a:solidFill>
-                  <a:srgbClr val="000000"/>
-                </a:solidFill>
-                <a:effectLst/>
-                <a:highlight>
-                  <a:srgbClr val="FFFFFE"/>
-                </a:highlight>
-                <a:latin typeface="Consolas" panose="020B0609020204030204" pitchFamily="49" charset="0"/>
-              </a:rPr>
-              <a:t> </a:t>
-            </a:r>
-            <a:r>
-              <a:rPr lang="en-US" b="0" dirty="0">
-                <a:solidFill>
-                  <a:srgbClr val="0451A5"/>
-                </a:solidFill>
-                <a:effectLst/>
-                <a:highlight>
-                  <a:srgbClr val="FFFFFE"/>
-                </a:highlight>
-                <a:latin typeface="Consolas" panose="020B0609020204030204" pitchFamily="49" charset="0"/>
-              </a:rPr>
-              <a:t>underline</a:t>
-            </a:r>
-            <a:r>
-              <a:rPr lang="en-US" b="0" dirty="0">
-                <a:solidFill>
-                  <a:srgbClr val="000000"/>
-                </a:solidFill>
-                <a:effectLst/>
-                <a:highlight>
-                  <a:srgbClr val="FFFFFE"/>
-                </a:highlight>
-                <a:latin typeface="Consolas" panose="020B0609020204030204" pitchFamily="49" charset="0"/>
-              </a:rPr>
-              <a:t>;</a:t>
-            </a:r>
-          </a:p>
-          <a:p>
-            <a:r>
-              <a:rPr lang="en-US" b="0" dirty="0">
-                <a:solidFill>
-                  <a:srgbClr val="FF0000"/>
-                </a:solidFill>
-                <a:effectLst/>
-                <a:highlight>
-                  <a:srgbClr val="FFFFFE"/>
-                </a:highlight>
-                <a:latin typeface="Consolas" panose="020B0609020204030204" pitchFamily="49" charset="0"/>
-              </a:rPr>
-              <a:t>text-decoration-color:</a:t>
-            </a:r>
-            <a:r>
-              <a:rPr lang="en-US" b="0" dirty="0">
-                <a:solidFill>
-                  <a:srgbClr val="000000"/>
-                </a:solidFill>
-                <a:effectLst/>
-                <a:highlight>
-                  <a:srgbClr val="FFFFFE"/>
-                </a:highlight>
-                <a:latin typeface="Consolas" panose="020B0609020204030204" pitchFamily="49" charset="0"/>
-              </a:rPr>
-              <a:t> </a:t>
-            </a:r>
-            <a:r>
-              <a:rPr lang="en-US" b="0" dirty="0">
-                <a:solidFill>
-                  <a:srgbClr val="0451A5"/>
-                </a:solidFill>
-                <a:effectLst/>
-                <a:highlight>
-                  <a:srgbClr val="FFFFFE"/>
-                </a:highlight>
-                <a:latin typeface="Consolas" panose="020B0609020204030204" pitchFamily="49" charset="0"/>
-              </a:rPr>
-              <a:t>red</a:t>
-            </a:r>
-            <a:r>
-              <a:rPr lang="en-US" b="0" dirty="0">
-                <a:solidFill>
-                  <a:srgbClr val="000000"/>
-                </a:solidFill>
-                <a:effectLst/>
-                <a:highlight>
-                  <a:srgbClr val="FFFFFE"/>
-                </a:highlight>
-                <a:latin typeface="Consolas" panose="020B0609020204030204" pitchFamily="49" charset="0"/>
-              </a:rPr>
-              <a:t>;</a:t>
-            </a:r>
-          </a:p>
-          <a:p>
-            <a:r>
-              <a:rPr lang="en-US" b="0" dirty="0">
-                <a:solidFill>
-                  <a:srgbClr val="FF0000"/>
-                </a:solidFill>
-                <a:effectLst/>
-                <a:highlight>
-                  <a:srgbClr val="FFFFFE"/>
-                </a:highlight>
-                <a:latin typeface="Consolas" panose="020B0609020204030204" pitchFamily="49" charset="0"/>
-              </a:rPr>
-              <a:t>text-decoration-style:</a:t>
-            </a:r>
-            <a:r>
-              <a:rPr lang="en-US" b="0" dirty="0">
-                <a:solidFill>
-                  <a:srgbClr val="000000"/>
-                </a:solidFill>
-                <a:effectLst/>
-                <a:highlight>
-                  <a:srgbClr val="FFFFFE"/>
-                </a:highlight>
-                <a:latin typeface="Consolas" panose="020B0609020204030204" pitchFamily="49" charset="0"/>
-              </a:rPr>
-              <a:t> </a:t>
-            </a:r>
-            <a:r>
-              <a:rPr lang="en-US" b="0" dirty="0">
-                <a:solidFill>
-                  <a:srgbClr val="0451A5"/>
-                </a:solidFill>
-                <a:effectLst/>
-                <a:highlight>
-                  <a:srgbClr val="FFFFFE"/>
-                </a:highlight>
-                <a:latin typeface="Consolas" panose="020B0609020204030204" pitchFamily="49" charset="0"/>
-              </a:rPr>
-              <a:t>solid</a:t>
-            </a:r>
-            <a:r>
-              <a:rPr lang="en-US" b="0" dirty="0">
-                <a:solidFill>
-                  <a:srgbClr val="000000"/>
-                </a:solidFill>
-                <a:effectLst/>
-                <a:highlight>
-                  <a:srgbClr val="FFFFFE"/>
-                </a:highlight>
-                <a:latin typeface="Consolas" panose="020B0609020204030204" pitchFamily="49" charset="0"/>
-              </a:rPr>
-              <a:t>;</a:t>
-            </a:r>
-          </a:p>
-          <a:p>
-            <a:r>
-              <a:rPr lang="en-US" b="0" dirty="0">
-                <a:solidFill>
-                  <a:srgbClr val="FF0000"/>
-                </a:solidFill>
-                <a:effectLst/>
-                <a:highlight>
-                  <a:srgbClr val="FFFFFE"/>
-                </a:highlight>
-                <a:latin typeface="Consolas" panose="020B0609020204030204" pitchFamily="49" charset="0"/>
-              </a:rPr>
-              <a:t>text-decoration-thickness:</a:t>
-            </a:r>
-            <a:r>
-              <a:rPr lang="en-US" b="0" dirty="0">
-                <a:solidFill>
-                  <a:srgbClr val="000000"/>
-                </a:solidFill>
-                <a:effectLst/>
-                <a:highlight>
-                  <a:srgbClr val="FFFFFE"/>
-                </a:highlight>
-                <a:latin typeface="Consolas" panose="020B0609020204030204" pitchFamily="49" charset="0"/>
-              </a:rPr>
-              <a:t> </a:t>
-            </a:r>
-            <a:r>
-              <a:rPr lang="en-US" b="0" dirty="0">
-                <a:solidFill>
-                  <a:srgbClr val="098658"/>
-                </a:solidFill>
-                <a:effectLst/>
-                <a:highlight>
-                  <a:srgbClr val="FFFFFE"/>
-                </a:highlight>
-                <a:latin typeface="Consolas" panose="020B0609020204030204" pitchFamily="49" charset="0"/>
-              </a:rPr>
-              <a:t>5px</a:t>
-            </a:r>
-            <a:r>
-              <a:rPr lang="en-US" b="0" dirty="0">
-                <a:solidFill>
-                  <a:srgbClr val="000000"/>
-                </a:solidFill>
-                <a:effectLst/>
-                <a:highlight>
-                  <a:srgbClr val="FFFFFE"/>
-                </a:highlight>
-                <a:latin typeface="Consolas" panose="020B0609020204030204" pitchFamily="49" charset="0"/>
-              </a:rPr>
-              <a:t>;</a:t>
-            </a:r>
-          </a:p>
-          <a:p>
-            <a:endParaRPr lang="en-US" b="0" dirty="0">
-              <a:solidFill>
-                <a:srgbClr val="000000"/>
-              </a:solidFill>
-              <a:effectLst/>
-              <a:highlight>
-                <a:srgbClr val="FFFFFE"/>
-              </a:highlight>
-              <a:latin typeface="Consolas" panose="020B0609020204030204" pitchFamily="49" charset="0"/>
-            </a:endParaRPr>
-          </a:p>
-          <a:p>
-            <a:endParaRPr lang="en-US" dirty="0"/>
-          </a:p>
-        </p:txBody>
-      </p:sp>
-      <p:sp>
-        <p:nvSpPr>
-          <p:cNvPr id="6" name="TextBox 5">
-            <a:extLst>
-              <a:ext uri="{FF2B5EF4-FFF2-40B4-BE49-F238E27FC236}">
-                <a16:creationId xmlns:a16="http://schemas.microsoft.com/office/drawing/2014/main" id="{21DE467F-A062-0CC8-9C6E-EC523459F427}"/>
-              </a:ext>
-            </a:extLst>
-          </p:cNvPr>
-          <p:cNvSpPr txBox="1"/>
-          <p:nvPr/>
-        </p:nvSpPr>
-        <p:spPr>
-          <a:xfrm>
-            <a:off x="2399070" y="4433888"/>
-            <a:ext cx="10687665" cy="646331"/>
-          </a:xfrm>
-          <a:prstGeom prst="rect">
-            <a:avLst/>
-          </a:prstGeom>
-          <a:noFill/>
-        </p:spPr>
-        <p:txBody>
-          <a:bodyPr wrap="square">
-            <a:spAutoFit/>
-          </a:bodyPr>
-          <a:lstStyle/>
-          <a:p>
-            <a:r>
-              <a:rPr lang="en-US" b="0" i="0" dirty="0">
-                <a:solidFill>
-                  <a:srgbClr val="1F1F1F"/>
-                </a:solidFill>
-                <a:effectLst/>
-                <a:highlight>
-                  <a:srgbClr val="FFFFFF"/>
-                </a:highlight>
-                <a:latin typeface="Source Sans Pro" panose="020B0503030403020204" pitchFamily="34" charset="0"/>
-              </a:rPr>
-              <a:t>The most commonly used values for the </a:t>
-            </a:r>
-            <a:r>
-              <a:rPr lang="en-US" b="1" i="0" dirty="0">
-                <a:solidFill>
-                  <a:srgbClr val="1F1F1F"/>
-                </a:solidFill>
-                <a:effectLst/>
-                <a:highlight>
-                  <a:srgbClr val="FFFFFF"/>
-                </a:highlight>
-                <a:latin typeface="Courier"/>
-              </a:rPr>
-              <a:t>text-transform</a:t>
-            </a:r>
-            <a:r>
-              <a:rPr lang="en-US" b="0" i="0" dirty="0">
-                <a:solidFill>
-                  <a:srgbClr val="1F1F1F"/>
-                </a:solidFill>
-                <a:effectLst/>
-                <a:highlight>
-                  <a:srgbClr val="FFFFFF"/>
-                </a:highlight>
-                <a:latin typeface="Source Sans Pro" panose="020B0503030403020204" pitchFamily="34" charset="0"/>
-              </a:rPr>
-              <a:t> property</a:t>
-            </a:r>
-            <a:r>
-              <a:rPr lang="en-US" dirty="0">
-                <a:solidFill>
-                  <a:srgbClr val="1F1F1F"/>
-                </a:solidFill>
-                <a:highlight>
-                  <a:srgbClr val="FFFFFF"/>
-                </a:highlight>
-                <a:latin typeface="Source Sans Pro" panose="020B0503030403020204" pitchFamily="34" charset="0"/>
-              </a:rPr>
-              <a:t> </a:t>
-            </a:r>
-            <a:r>
-              <a:rPr lang="en-US" b="0" i="0" dirty="0">
-                <a:solidFill>
-                  <a:srgbClr val="1F1F1F"/>
-                </a:solidFill>
-                <a:effectLst/>
-                <a:highlight>
-                  <a:srgbClr val="FFFFFF"/>
-                </a:highlight>
-                <a:latin typeface="Source Sans Pro" panose="020B0503030403020204" pitchFamily="34" charset="0"/>
-              </a:rPr>
-              <a:t>are:  </a:t>
-            </a:r>
-            <a:r>
-              <a:rPr lang="en-US" b="1" i="0" dirty="0">
-                <a:solidFill>
-                  <a:srgbClr val="1F1F1F"/>
-                </a:solidFill>
-                <a:effectLst/>
-                <a:highlight>
-                  <a:srgbClr val="FFFF00"/>
-                </a:highlight>
-                <a:latin typeface="Courier"/>
-              </a:rPr>
-              <a:t>uppercase</a:t>
-            </a:r>
-            <a:r>
-              <a:rPr lang="en-US" b="0" i="0" dirty="0">
-                <a:solidFill>
-                  <a:srgbClr val="1F1F1F"/>
-                </a:solidFill>
-                <a:effectLst/>
-                <a:highlight>
-                  <a:srgbClr val="FFFF00"/>
-                </a:highlight>
-                <a:latin typeface="Source Sans Pro" panose="020B0503030403020204" pitchFamily="34" charset="0"/>
-              </a:rPr>
-              <a:t>,  </a:t>
-            </a:r>
-            <a:r>
-              <a:rPr lang="en-US" b="1" i="0" dirty="0">
-                <a:solidFill>
-                  <a:srgbClr val="1F1F1F"/>
-                </a:solidFill>
-                <a:effectLst/>
-                <a:highlight>
-                  <a:srgbClr val="FFFF00"/>
-                </a:highlight>
-                <a:latin typeface="Courier"/>
-              </a:rPr>
-              <a:t>lowercase</a:t>
-            </a:r>
-            <a:r>
-              <a:rPr lang="en-US" b="0" i="0" dirty="0">
-                <a:solidFill>
-                  <a:srgbClr val="1F1F1F"/>
-                </a:solidFill>
-                <a:effectLst/>
-                <a:highlight>
-                  <a:srgbClr val="FFFF00"/>
-                </a:highlight>
-                <a:latin typeface="Source Sans Pro" panose="020B0503030403020204" pitchFamily="34" charset="0"/>
-              </a:rPr>
-              <a:t>,  </a:t>
-            </a:r>
-            <a:r>
-              <a:rPr lang="en-US" b="1" i="0" dirty="0">
-                <a:solidFill>
-                  <a:srgbClr val="1F1F1F"/>
-                </a:solidFill>
-                <a:effectLst/>
-                <a:highlight>
-                  <a:srgbClr val="FFFF00"/>
-                </a:highlight>
-                <a:latin typeface="Courier"/>
-              </a:rPr>
-              <a:t>capitalize</a:t>
-            </a:r>
-            <a:r>
-              <a:rPr lang="en-US" b="0" i="0" dirty="0">
-                <a:solidFill>
-                  <a:srgbClr val="1F1F1F"/>
-                </a:solidFill>
-                <a:effectLst/>
-                <a:highlight>
-                  <a:srgbClr val="FFFF00"/>
-                </a:highlight>
-                <a:latin typeface="Source Sans Pro" panose="020B0503030403020204" pitchFamily="34" charset="0"/>
-              </a:rPr>
-              <a:t>  and </a:t>
-            </a:r>
-            <a:r>
-              <a:rPr lang="en-US" b="1" i="0" dirty="0">
-                <a:solidFill>
-                  <a:srgbClr val="1F1F1F"/>
-                </a:solidFill>
-                <a:effectLst/>
-                <a:highlight>
-                  <a:srgbClr val="FFFF00"/>
-                </a:highlight>
-                <a:latin typeface="Courier"/>
-              </a:rPr>
-              <a:t>none</a:t>
-            </a:r>
-            <a:r>
-              <a:rPr lang="en-US" b="0" i="0" dirty="0">
-                <a:solidFill>
-                  <a:srgbClr val="1F1F1F"/>
-                </a:solidFill>
-                <a:effectLst/>
-                <a:highlight>
-                  <a:srgbClr val="FFFFFF"/>
-                </a:highlight>
-                <a:latin typeface="Source Sans Pro" panose="020B0503030403020204" pitchFamily="34" charset="0"/>
-              </a:rPr>
-              <a:t>.</a:t>
-            </a:r>
-            <a:endParaRPr lang="en-US" dirty="0"/>
-          </a:p>
-        </p:txBody>
-      </p:sp>
-      <p:sp>
-        <p:nvSpPr>
-          <p:cNvPr id="8" name="TextBox 7">
-            <a:extLst>
-              <a:ext uri="{FF2B5EF4-FFF2-40B4-BE49-F238E27FC236}">
-                <a16:creationId xmlns:a16="http://schemas.microsoft.com/office/drawing/2014/main" id="{AB16CDC3-AEF8-70F0-5078-3AE30A68C012}"/>
-              </a:ext>
-            </a:extLst>
-          </p:cNvPr>
-          <p:cNvSpPr txBox="1"/>
-          <p:nvPr/>
-        </p:nvSpPr>
-        <p:spPr>
-          <a:xfrm>
-            <a:off x="2399070" y="5080219"/>
-            <a:ext cx="6843253" cy="646331"/>
-          </a:xfrm>
-          <a:prstGeom prst="rect">
-            <a:avLst/>
-          </a:prstGeom>
-          <a:noFill/>
-        </p:spPr>
-        <p:txBody>
-          <a:bodyPr wrap="square">
-            <a:spAutoFit/>
-          </a:bodyPr>
-          <a:lstStyle/>
-          <a:p>
-            <a:r>
-              <a:rPr lang="en-US" b="0" i="0" dirty="0">
-                <a:solidFill>
-                  <a:srgbClr val="1F1F1F"/>
-                </a:solidFill>
-                <a:effectLst/>
-                <a:highlight>
-                  <a:srgbClr val="FFFFFF"/>
-                </a:highlight>
-                <a:latin typeface="Source Sans Pro" panose="020B0503030403020204" pitchFamily="34" charset="0"/>
-              </a:rPr>
-              <a:t>The most common </a:t>
-            </a:r>
-            <a:r>
-              <a:rPr lang="en-US" b="1" i="0" dirty="0">
-                <a:solidFill>
-                  <a:srgbClr val="1F1F1F"/>
-                </a:solidFill>
-                <a:effectLst/>
-                <a:highlight>
-                  <a:srgbClr val="FFFFFF"/>
-                </a:highlight>
-                <a:latin typeface="Courier"/>
-              </a:rPr>
-              <a:t>text-decoration-line</a:t>
-            </a:r>
-            <a:r>
-              <a:rPr lang="en-US" b="0" i="0" dirty="0">
-                <a:solidFill>
-                  <a:srgbClr val="1F1F1F"/>
-                </a:solidFill>
-                <a:effectLst/>
-                <a:highlight>
-                  <a:srgbClr val="FFFFFF"/>
-                </a:highlight>
-                <a:latin typeface="Source Sans Pro" panose="020B0503030403020204" pitchFamily="34" charset="0"/>
-              </a:rPr>
-              <a:t> values used are: </a:t>
-            </a:r>
-            <a:r>
-              <a:rPr lang="en-US" b="1" i="0" dirty="0">
-                <a:solidFill>
-                  <a:srgbClr val="1F1F1F"/>
-                </a:solidFill>
-                <a:effectLst/>
-                <a:highlight>
-                  <a:srgbClr val="FFFF00"/>
-                </a:highlight>
-                <a:latin typeface="Courier"/>
-              </a:rPr>
-              <a:t>underline</a:t>
-            </a:r>
-            <a:r>
-              <a:rPr lang="en-US" b="0" i="0" dirty="0">
-                <a:solidFill>
-                  <a:srgbClr val="1F1F1F"/>
-                </a:solidFill>
-                <a:effectLst/>
-                <a:highlight>
-                  <a:srgbClr val="FFFF00"/>
-                </a:highlight>
-                <a:latin typeface="Source Sans Pro" panose="020B0503030403020204" pitchFamily="34" charset="0"/>
-              </a:rPr>
-              <a:t>, </a:t>
-            </a:r>
-            <a:r>
-              <a:rPr lang="en-US" b="1" i="0" dirty="0">
-                <a:solidFill>
-                  <a:srgbClr val="1F1F1F"/>
-                </a:solidFill>
-                <a:effectLst/>
-                <a:highlight>
-                  <a:srgbClr val="FFFF00"/>
-                </a:highlight>
-                <a:latin typeface="Courier"/>
-              </a:rPr>
-              <a:t>overline</a:t>
-            </a:r>
-            <a:r>
-              <a:rPr lang="en-US" b="0" i="0" dirty="0">
-                <a:solidFill>
-                  <a:srgbClr val="1F1F1F"/>
-                </a:solidFill>
-                <a:effectLst/>
-                <a:highlight>
-                  <a:srgbClr val="FFFF00"/>
-                </a:highlight>
-                <a:latin typeface="Source Sans Pro" panose="020B0503030403020204" pitchFamily="34" charset="0"/>
-              </a:rPr>
-              <a:t>, </a:t>
-            </a:r>
-            <a:r>
-              <a:rPr lang="en-US" b="1" i="0" dirty="0">
-                <a:solidFill>
-                  <a:srgbClr val="1F1F1F"/>
-                </a:solidFill>
-                <a:effectLst/>
-                <a:highlight>
-                  <a:srgbClr val="FFFF00"/>
-                </a:highlight>
-                <a:latin typeface="Courier"/>
-              </a:rPr>
-              <a:t>line-through</a:t>
-            </a:r>
-            <a:r>
-              <a:rPr lang="en-US" b="0" i="0" dirty="0">
-                <a:solidFill>
-                  <a:srgbClr val="1F1F1F"/>
-                </a:solidFill>
-                <a:effectLst/>
-                <a:highlight>
-                  <a:srgbClr val="FFFF00"/>
-                </a:highlight>
-                <a:latin typeface="Source Sans Pro" panose="020B0503030403020204" pitchFamily="34" charset="0"/>
-              </a:rPr>
-              <a:t> and </a:t>
-            </a:r>
-            <a:r>
-              <a:rPr lang="en-US" b="1" i="0" dirty="0">
-                <a:solidFill>
-                  <a:srgbClr val="1F1F1F"/>
-                </a:solidFill>
-                <a:effectLst/>
-                <a:highlight>
-                  <a:srgbClr val="FFFF00"/>
-                </a:highlight>
-                <a:latin typeface="Courier"/>
-              </a:rPr>
-              <a:t>none</a:t>
-            </a:r>
-            <a:r>
-              <a:rPr lang="en-US" b="0" i="0" dirty="0">
-                <a:solidFill>
-                  <a:srgbClr val="1F1F1F"/>
-                </a:solidFill>
-                <a:effectLst/>
-                <a:highlight>
-                  <a:srgbClr val="FFFFFF"/>
-                </a:highlight>
-                <a:latin typeface="Source Sans Pro" panose="020B0503030403020204" pitchFamily="34" charset="0"/>
-              </a:rPr>
-              <a:t>. </a:t>
-            </a:r>
-            <a:endParaRPr lang="en-US" dirty="0"/>
-          </a:p>
-        </p:txBody>
-      </p:sp>
-      <p:sp>
-        <p:nvSpPr>
-          <p:cNvPr id="10" name="TextBox 9">
-            <a:extLst>
-              <a:ext uri="{FF2B5EF4-FFF2-40B4-BE49-F238E27FC236}">
-                <a16:creationId xmlns:a16="http://schemas.microsoft.com/office/drawing/2014/main" id="{6F649FD6-EBE3-4155-C81C-8EC4950CE4DD}"/>
-              </a:ext>
-            </a:extLst>
-          </p:cNvPr>
-          <p:cNvSpPr txBox="1"/>
-          <p:nvPr/>
-        </p:nvSpPr>
-        <p:spPr>
-          <a:xfrm>
-            <a:off x="2399070" y="5851655"/>
-            <a:ext cx="6096000" cy="923330"/>
-          </a:xfrm>
-          <a:prstGeom prst="rect">
-            <a:avLst/>
-          </a:prstGeom>
-          <a:noFill/>
-        </p:spPr>
-        <p:txBody>
-          <a:bodyPr wrap="square">
-            <a:spAutoFit/>
-          </a:bodyPr>
-          <a:lstStyle/>
-          <a:p>
-            <a:r>
-              <a:rPr lang="en-US" b="0" i="0" dirty="0">
-                <a:solidFill>
-                  <a:srgbClr val="1F1F1F"/>
-                </a:solidFill>
-                <a:effectLst/>
-                <a:highlight>
-                  <a:srgbClr val="FFFFFF"/>
-                </a:highlight>
-                <a:latin typeface="Source Sans Pro" panose="020B0503030403020204" pitchFamily="34" charset="0"/>
-              </a:rPr>
-              <a:t>There are many styles available for the </a:t>
-            </a:r>
-            <a:r>
-              <a:rPr lang="en-US" b="1" i="0" dirty="0">
-                <a:solidFill>
-                  <a:srgbClr val="1F1F1F"/>
-                </a:solidFill>
-                <a:effectLst/>
-                <a:highlight>
-                  <a:srgbClr val="FFFFFF"/>
-                </a:highlight>
-                <a:latin typeface="Courier"/>
-              </a:rPr>
-              <a:t>text-decoration-style</a:t>
-            </a:r>
-            <a:r>
-              <a:rPr lang="en-US" b="0" i="0" dirty="0">
-                <a:solidFill>
-                  <a:srgbClr val="1F1F1F"/>
-                </a:solidFill>
-                <a:effectLst/>
-                <a:highlight>
-                  <a:srgbClr val="FFFFFF"/>
-                </a:highlight>
-                <a:latin typeface="Source Sans Pro" panose="020B0503030403020204" pitchFamily="34" charset="0"/>
-              </a:rPr>
-              <a:t>  property;  </a:t>
-            </a:r>
-            <a:r>
-              <a:rPr lang="en-US" b="1" i="0" dirty="0">
-                <a:solidFill>
-                  <a:srgbClr val="1F1F1F"/>
-                </a:solidFill>
-                <a:effectLst/>
-                <a:highlight>
-                  <a:srgbClr val="FFFF00"/>
-                </a:highlight>
-                <a:latin typeface="Courier"/>
-              </a:rPr>
-              <a:t>solid</a:t>
-            </a:r>
-            <a:r>
-              <a:rPr lang="en-US" b="0" i="0" dirty="0">
-                <a:solidFill>
-                  <a:srgbClr val="1F1F1F"/>
-                </a:solidFill>
-                <a:effectLst/>
-                <a:highlight>
-                  <a:srgbClr val="FFFF00"/>
-                </a:highlight>
-                <a:latin typeface="Source Sans Pro" panose="020B0503030403020204" pitchFamily="34" charset="0"/>
-              </a:rPr>
-              <a:t>,  </a:t>
-            </a:r>
-            <a:r>
-              <a:rPr lang="en-US" b="1" i="0" dirty="0">
-                <a:solidFill>
-                  <a:srgbClr val="1F1F1F"/>
-                </a:solidFill>
-                <a:effectLst/>
-                <a:highlight>
-                  <a:srgbClr val="FFFF00"/>
-                </a:highlight>
-                <a:latin typeface="Courier"/>
-              </a:rPr>
-              <a:t>double</a:t>
-            </a:r>
-            <a:r>
-              <a:rPr lang="en-US" b="0" i="0" dirty="0">
-                <a:solidFill>
-                  <a:srgbClr val="1F1F1F"/>
-                </a:solidFill>
-                <a:effectLst/>
-                <a:highlight>
-                  <a:srgbClr val="FFFF00"/>
-                </a:highlight>
-                <a:latin typeface="Source Sans Pro" panose="020B0503030403020204" pitchFamily="34" charset="0"/>
-              </a:rPr>
-              <a:t>,  </a:t>
-            </a:r>
-            <a:r>
-              <a:rPr lang="en-US" b="1" i="0" dirty="0">
-                <a:solidFill>
-                  <a:srgbClr val="1F1F1F"/>
-                </a:solidFill>
-                <a:effectLst/>
-                <a:highlight>
-                  <a:srgbClr val="FFFF00"/>
-                </a:highlight>
-                <a:latin typeface="Courier"/>
-              </a:rPr>
-              <a:t>dotted</a:t>
-            </a:r>
-            <a:r>
-              <a:rPr lang="en-US" b="0" i="0" dirty="0">
-                <a:solidFill>
-                  <a:srgbClr val="1F1F1F"/>
-                </a:solidFill>
-                <a:effectLst/>
-                <a:highlight>
-                  <a:srgbClr val="FFFF00"/>
-                </a:highlight>
-                <a:latin typeface="Source Sans Pro" panose="020B0503030403020204" pitchFamily="34" charset="0"/>
-              </a:rPr>
-              <a:t>,  </a:t>
-            </a:r>
-            <a:r>
-              <a:rPr lang="en-US" b="1" i="0" dirty="0">
-                <a:solidFill>
-                  <a:srgbClr val="1F1F1F"/>
-                </a:solidFill>
-                <a:effectLst/>
-                <a:highlight>
-                  <a:srgbClr val="FFFF00"/>
-                </a:highlight>
-                <a:latin typeface="Courier"/>
-              </a:rPr>
-              <a:t>dashed</a:t>
-            </a:r>
-            <a:r>
-              <a:rPr lang="en-US" b="0" i="0" dirty="0">
-                <a:solidFill>
-                  <a:srgbClr val="1F1F1F"/>
-                </a:solidFill>
-                <a:effectLst/>
-                <a:highlight>
-                  <a:srgbClr val="FFFF00"/>
-                </a:highlight>
-                <a:latin typeface="Source Sans Pro" panose="020B0503030403020204" pitchFamily="34" charset="0"/>
-              </a:rPr>
-              <a:t>  and  </a:t>
-            </a:r>
-            <a:r>
-              <a:rPr lang="en-US" b="1" i="0" dirty="0">
-                <a:solidFill>
-                  <a:srgbClr val="1F1F1F"/>
-                </a:solidFill>
-                <a:effectLst/>
-                <a:highlight>
-                  <a:srgbClr val="FFFF00"/>
-                </a:highlight>
-                <a:latin typeface="Courier"/>
-              </a:rPr>
-              <a:t>wavy</a:t>
-            </a:r>
-            <a:r>
-              <a:rPr lang="en-US" b="0" i="0" dirty="0">
-                <a:solidFill>
-                  <a:srgbClr val="1F1F1F"/>
-                </a:solidFill>
-                <a:effectLst/>
-                <a:highlight>
-                  <a:srgbClr val="FFFF00"/>
-                </a:highlight>
-                <a:latin typeface="Source Sans Pro" panose="020B0503030403020204" pitchFamily="34" charset="0"/>
-              </a:rPr>
-              <a:t>.</a:t>
-            </a:r>
-            <a:endParaRPr lang="en-US" dirty="0">
-              <a:highlight>
-                <a:srgbClr val="FFFF00"/>
-              </a:highlight>
-            </a:endParaRPr>
-          </a:p>
-        </p:txBody>
-      </p:sp>
-    </p:spTree>
-    <p:extLst>
-      <p:ext uri="{BB962C8B-B14F-4D97-AF65-F5344CB8AC3E}">
-        <p14:creationId xmlns:p14="http://schemas.microsoft.com/office/powerpoint/2010/main" val="3508204915"/>
       </p:ext>
     </p:extLst>
   </p:cSld>
